--- a/configimg/sem-4project/sem4-presentation-1GaneshSahu.pptx
+++ b/configimg/sem-4project/sem4-presentation-1GaneshSahu.pptx
@@ -6,19 +6,31 @@
   </p:sldMasterIdLst>
   <p:sldIdLst>
     <p:sldId id="256" r:id="rId2"/>
-    <p:sldId id="257" r:id="rId3"/>
-    <p:sldId id="258" r:id="rId4"/>
-    <p:sldId id="259" r:id="rId5"/>
-    <p:sldId id="260" r:id="rId6"/>
-    <p:sldId id="261" r:id="rId7"/>
-    <p:sldId id="262" r:id="rId8"/>
-    <p:sldId id="263" r:id="rId9"/>
-    <p:sldId id="264" r:id="rId10"/>
-    <p:sldId id="265" r:id="rId11"/>
-    <p:sldId id="266" r:id="rId12"/>
-    <p:sldId id="267" r:id="rId13"/>
-    <p:sldId id="268" r:id="rId14"/>
-    <p:sldId id="269" r:id="rId15"/>
+    <p:sldId id="281" r:id="rId3"/>
+    <p:sldId id="282" r:id="rId4"/>
+    <p:sldId id="258" r:id="rId5"/>
+    <p:sldId id="259" r:id="rId6"/>
+    <p:sldId id="260" r:id="rId7"/>
+    <p:sldId id="261" r:id="rId8"/>
+    <p:sldId id="262" r:id="rId9"/>
+    <p:sldId id="263" r:id="rId10"/>
+    <p:sldId id="264" r:id="rId11"/>
+    <p:sldId id="265" r:id="rId12"/>
+    <p:sldId id="266" r:id="rId13"/>
+    <p:sldId id="267" r:id="rId14"/>
+    <p:sldId id="268" r:id="rId15"/>
+    <p:sldId id="279" r:id="rId16"/>
+    <p:sldId id="280" r:id="rId17"/>
+    <p:sldId id="270" r:id="rId18"/>
+    <p:sldId id="271" r:id="rId19"/>
+    <p:sldId id="272" r:id="rId20"/>
+    <p:sldId id="273" r:id="rId21"/>
+    <p:sldId id="274" r:id="rId22"/>
+    <p:sldId id="275" r:id="rId23"/>
+    <p:sldId id="276" r:id="rId24"/>
+    <p:sldId id="277" r:id="rId25"/>
+    <p:sldId id="278" r:id="rId26"/>
+    <p:sldId id="269" r:id="rId27"/>
   </p:sldIdLst>
   <p:sldSz cx="12192000" cy="6858000"/>
   <p:notesSz cx="6858000" cy="9144000"/>
@@ -117,6 +129,11 @@
       </a:defRPr>
     </a:lvl9pPr>
   </p:defaultTextStyle>
+  <p:extLst>
+    <p:ext uri="{EFAFB233-063F-42B5-8137-9DF3F51BA10A}">
+      <p15:sldGuideLst xmlns:p15="http://schemas.microsoft.com/office/powerpoint/2012/main"/>
+    </p:ext>
+  </p:extLst>
 </p:presentation>
 </file>
 
@@ -269,7 +286,7 @@
           <a:p>
             <a:fld id="{18541F80-B7BA-402A-B8A6-8B26A63821BF}" type="datetimeFigureOut">
               <a:rPr lang="en-IN" smtClean="0"/>
-              <a:t>30-06-2024</a:t>
+              <a:t>04-08-2024</a:t>
             </a:fld>
             <a:endParaRPr lang="en-IN"/>
           </a:p>
@@ -469,7 +486,7 @@
           <a:p>
             <a:fld id="{18541F80-B7BA-402A-B8A6-8B26A63821BF}" type="datetimeFigureOut">
               <a:rPr lang="en-IN" smtClean="0"/>
-              <a:t>30-06-2024</a:t>
+              <a:t>04-08-2024</a:t>
             </a:fld>
             <a:endParaRPr lang="en-IN"/>
           </a:p>
@@ -679,7 +696,7 @@
           <a:p>
             <a:fld id="{18541F80-B7BA-402A-B8A6-8B26A63821BF}" type="datetimeFigureOut">
               <a:rPr lang="en-IN" smtClean="0"/>
-              <a:t>30-06-2024</a:t>
+              <a:t>04-08-2024</a:t>
             </a:fld>
             <a:endParaRPr lang="en-IN"/>
           </a:p>
@@ -879,7 +896,7 @@
           <a:p>
             <a:fld id="{18541F80-B7BA-402A-B8A6-8B26A63821BF}" type="datetimeFigureOut">
               <a:rPr lang="en-IN" smtClean="0"/>
-              <a:t>30-06-2024</a:t>
+              <a:t>04-08-2024</a:t>
             </a:fld>
             <a:endParaRPr lang="en-IN"/>
           </a:p>
@@ -1155,7 +1172,7 @@
           <a:p>
             <a:fld id="{18541F80-B7BA-402A-B8A6-8B26A63821BF}" type="datetimeFigureOut">
               <a:rPr lang="en-IN" smtClean="0"/>
-              <a:t>30-06-2024</a:t>
+              <a:t>04-08-2024</a:t>
             </a:fld>
             <a:endParaRPr lang="en-IN"/>
           </a:p>
@@ -1423,7 +1440,7 @@
           <a:p>
             <a:fld id="{18541F80-B7BA-402A-B8A6-8B26A63821BF}" type="datetimeFigureOut">
               <a:rPr lang="en-IN" smtClean="0"/>
-              <a:t>30-06-2024</a:t>
+              <a:t>04-08-2024</a:t>
             </a:fld>
             <a:endParaRPr lang="en-IN"/>
           </a:p>
@@ -1838,7 +1855,7 @@
           <a:p>
             <a:fld id="{18541F80-B7BA-402A-B8A6-8B26A63821BF}" type="datetimeFigureOut">
               <a:rPr lang="en-IN" smtClean="0"/>
-              <a:t>30-06-2024</a:t>
+              <a:t>04-08-2024</a:t>
             </a:fld>
             <a:endParaRPr lang="en-IN"/>
           </a:p>
@@ -1980,7 +1997,7 @@
           <a:p>
             <a:fld id="{18541F80-B7BA-402A-B8A6-8B26A63821BF}" type="datetimeFigureOut">
               <a:rPr lang="en-IN" smtClean="0"/>
-              <a:t>30-06-2024</a:t>
+              <a:t>04-08-2024</a:t>
             </a:fld>
             <a:endParaRPr lang="en-IN"/>
           </a:p>
@@ -2093,7 +2110,7 @@
           <a:p>
             <a:fld id="{18541F80-B7BA-402A-B8A6-8B26A63821BF}" type="datetimeFigureOut">
               <a:rPr lang="en-IN" smtClean="0"/>
-              <a:t>30-06-2024</a:t>
+              <a:t>04-08-2024</a:t>
             </a:fld>
             <a:endParaRPr lang="en-IN"/>
           </a:p>
@@ -2406,7 +2423,7 @@
           <a:p>
             <a:fld id="{18541F80-B7BA-402A-B8A6-8B26A63821BF}" type="datetimeFigureOut">
               <a:rPr lang="en-IN" smtClean="0"/>
-              <a:t>30-06-2024</a:t>
+              <a:t>04-08-2024</a:t>
             </a:fld>
             <a:endParaRPr lang="en-IN"/>
           </a:p>
@@ -2695,7 +2712,7 @@
           <a:p>
             <a:fld id="{18541F80-B7BA-402A-B8A6-8B26A63821BF}" type="datetimeFigureOut">
               <a:rPr lang="en-IN" smtClean="0"/>
-              <a:t>30-06-2024</a:t>
+              <a:t>04-08-2024</a:t>
             </a:fld>
             <a:endParaRPr lang="en-IN"/>
           </a:p>
@@ -2938,7 +2955,7 @@
           <a:p>
             <a:fld id="{18541F80-B7BA-402A-B8A6-8B26A63821BF}" type="datetimeFigureOut">
               <a:rPr lang="en-IN" smtClean="0"/>
-              <a:t>30-06-2024</a:t>
+              <a:t>04-08-2024</a:t>
             </a:fld>
             <a:endParaRPr lang="en-IN"/>
           </a:p>
@@ -3415,8 +3432,8 @@
         </p:nvSpPr>
         <p:spPr>
           <a:xfrm>
-            <a:off x="1195753" y="4578580"/>
-            <a:ext cx="4797084" cy="400110"/>
+            <a:off x="1195752" y="4578580"/>
+            <a:ext cx="6064857" cy="1138773"/>
           </a:xfrm>
           <a:prstGeom prst="rect">
             <a:avLst/>
@@ -3430,10 +3447,91 @@
           <a:lstStyle/>
           <a:p>
             <a:r>
+              <a:rPr lang="en-GB" sz="2800" b="1" dirty="0"/>
+              <a:t>PROJECT GUIDE:- MR. P RAMPRASAD</a:t>
+            </a:r>
+          </a:p>
+          <a:p>
+            <a:endParaRPr lang="en-GB" sz="2000" b="1" dirty="0"/>
+          </a:p>
+          <a:p>
+            <a:r>
               <a:rPr lang="en-GB" sz="2000" b="1" dirty="0"/>
-              <a:t>PROJECT GUIDE:- MR. P RAMPRASAD</a:t>
+              <a:t>Submission by:-Ganesh Sahu (2129-22-862-11) </a:t>
             </a:r>
             <a:endParaRPr lang="en-IN" sz="2000" b="1" dirty="0"/>
+          </a:p>
+        </p:txBody>
+      </p:sp>
+      <p:pic>
+        <p:nvPicPr>
+          <p:cNvPr id="3" name="Picture 2">
+            <a:extLst>
+              <a:ext uri="{FF2B5EF4-FFF2-40B4-BE49-F238E27FC236}">
+                <a16:creationId xmlns:a16="http://schemas.microsoft.com/office/drawing/2014/main" id="{7F163C78-4B23-747B-871A-60BC6A7BD2C1}"/>
+              </a:ext>
+            </a:extLst>
+          </p:cNvPr>
+          <p:cNvPicPr>
+            <a:picLocks noChangeAspect="1"/>
+          </p:cNvPicPr>
+          <p:nvPr/>
+        </p:nvPicPr>
+        <p:blipFill>
+          <a:blip r:embed="rId2">
+            <a:extLst>
+              <a:ext uri="{28A0092B-C50C-407E-A947-70E740481C1C}">
+                <a14:useLocalDpi xmlns:a14="http://schemas.microsoft.com/office/drawing/2010/main" val="0"/>
+              </a:ext>
+            </a:extLst>
+          </a:blip>
+          <a:stretch>
+            <a:fillRect/>
+          </a:stretch>
+        </p:blipFill>
+        <p:spPr>
+          <a:xfrm>
+            <a:off x="1363991" y="830119"/>
+            <a:ext cx="886139" cy="886139"/>
+          </a:xfrm>
+          <a:prstGeom prst="rect">
+            <a:avLst/>
+          </a:prstGeom>
+        </p:spPr>
+      </p:pic>
+      <p:sp>
+        <p:nvSpPr>
+          <p:cNvPr id="6" name="TextBox 5">
+            <a:extLst>
+              <a:ext uri="{FF2B5EF4-FFF2-40B4-BE49-F238E27FC236}">
+                <a16:creationId xmlns:a16="http://schemas.microsoft.com/office/drawing/2014/main" id="{B8A12F4D-0C4B-813E-3CD5-051854982131}"/>
+              </a:ext>
+            </a:extLst>
+          </p:cNvPr>
+          <p:cNvSpPr txBox="1"/>
+          <p:nvPr/>
+        </p:nvSpPr>
+        <p:spPr>
+          <a:xfrm>
+            <a:off x="2402006" y="930969"/>
+            <a:ext cx="3916907" cy="830997"/>
+          </a:xfrm>
+          <a:prstGeom prst="rect">
+            <a:avLst/>
+          </a:prstGeom>
+          <a:noFill/>
+        </p:spPr>
+        <p:txBody>
+          <a:bodyPr wrap="square" rtlCol="0">
+            <a:spAutoFit/>
+          </a:bodyPr>
+          <a:lstStyle/>
+          <a:p>
+            <a:r>
+              <a:rPr lang="en-GB" sz="2400" b="1" dirty="0"/>
+              <a:t>AURORAS PG COLLEGE,NAMPALLY</a:t>
+            </a:r>
+            <a:endParaRPr lang="en-IN" sz="2400" b="1" dirty="0"/>
           </a:p>
         </p:txBody>
       </p:sp>
@@ -3508,7 +3606,7 @@
           <a:p>
             <a:r>
               <a:rPr lang="en-GB" sz="5400" b="1" dirty="0"/>
-              <a:t>USER FLOW DIAGRAM IN UI</a:t>
+              <a:t>UML SEQUENCE DIAGRAM</a:t>
             </a:r>
             <a:endParaRPr lang="en-IN" sz="5400" b="1" dirty="0"/>
           </a:p>
@@ -3516,10 +3614,10 @@
       </p:sp>
       <p:pic>
         <p:nvPicPr>
-          <p:cNvPr id="5" name="Picture 4">
-            <a:extLst>
-              <a:ext uri="{FF2B5EF4-FFF2-40B4-BE49-F238E27FC236}">
-                <a16:creationId xmlns:a16="http://schemas.microsoft.com/office/drawing/2014/main" id="{AF5C4526-E4E8-3833-12E9-014DB0C9D56E}"/>
+          <p:cNvPr id="4" name="Picture 3">
+            <a:extLst>
+              <a:ext uri="{FF2B5EF4-FFF2-40B4-BE49-F238E27FC236}">
+                <a16:creationId xmlns:a16="http://schemas.microsoft.com/office/drawing/2014/main" id="{A38BE001-2E40-0BDF-3D9F-951A88B39684}"/>
               </a:ext>
             </a:extLst>
           </p:cNvPr>
@@ -3542,8 +3640,8 @@
         </p:blipFill>
         <p:spPr>
           <a:xfrm>
-            <a:off x="862818" y="1275571"/>
-            <a:ext cx="9465659" cy="5373859"/>
+            <a:off x="1081750" y="1275571"/>
+            <a:ext cx="8792308" cy="5420481"/>
           </a:xfrm>
           <a:prstGeom prst="rect">
             <a:avLst/>
@@ -3553,7 +3651,7 @@
     </p:spTree>
     <p:extLst>
       <p:ext uri="{BB962C8B-B14F-4D97-AF65-F5344CB8AC3E}">
-        <p14:creationId xmlns:p14="http://schemas.microsoft.com/office/powerpoint/2010/main" val="486436839"/>
+        <p14:creationId xmlns:p14="http://schemas.microsoft.com/office/powerpoint/2010/main" val="470432462"/>
       </p:ext>
     </p:extLst>
   </p:cSld>
@@ -3606,7 +3704,7 @@
         <p:spPr>
           <a:xfrm>
             <a:off x="858129" y="352241"/>
-            <a:ext cx="8792308" cy="1754326"/>
+            <a:ext cx="8792308" cy="923330"/>
           </a:xfrm>
           <a:prstGeom prst="rect">
             <a:avLst/>
@@ -3621,7 +3719,7 @@
           <a:p>
             <a:r>
               <a:rPr lang="en-GB" sz="5400" b="1" dirty="0"/>
-              <a:t>USER AUTHENTICATION SEQUENCE DIAGRAM </a:t>
+              <a:t>USER FLOW DIAGRAM IN UI</a:t>
             </a:r>
             <a:endParaRPr lang="en-IN" sz="5400" b="1" dirty="0"/>
           </a:p>
@@ -3629,10 +3727,10 @@
       </p:sp>
       <p:pic>
         <p:nvPicPr>
-          <p:cNvPr id="4" name="Picture 3">
-            <a:extLst>
-              <a:ext uri="{FF2B5EF4-FFF2-40B4-BE49-F238E27FC236}">
-                <a16:creationId xmlns:a16="http://schemas.microsoft.com/office/drawing/2014/main" id="{95662CF4-1F06-29E6-D904-1ADC70B15AD3}"/>
+          <p:cNvPr id="5" name="Picture 4">
+            <a:extLst>
+              <a:ext uri="{FF2B5EF4-FFF2-40B4-BE49-F238E27FC236}">
+                <a16:creationId xmlns:a16="http://schemas.microsoft.com/office/drawing/2014/main" id="{AF5C4526-E4E8-3833-12E9-014DB0C9D56E}"/>
               </a:ext>
             </a:extLst>
           </p:cNvPr>
@@ -3655,8 +3753,8 @@
         </p:blipFill>
         <p:spPr>
           <a:xfrm>
-            <a:off x="858129" y="2106567"/>
-            <a:ext cx="6726166" cy="4632860"/>
+            <a:off x="862818" y="1275571"/>
+            <a:ext cx="9465659" cy="5373859"/>
           </a:xfrm>
           <a:prstGeom prst="rect">
             <a:avLst/>
@@ -3666,7 +3764,7 @@
     </p:spTree>
     <p:extLst>
       <p:ext uri="{BB962C8B-B14F-4D97-AF65-F5344CB8AC3E}">
-        <p14:creationId xmlns:p14="http://schemas.microsoft.com/office/powerpoint/2010/main" val="957630515"/>
+        <p14:creationId xmlns:p14="http://schemas.microsoft.com/office/powerpoint/2010/main" val="486436839"/>
       </p:ext>
     </p:extLst>
   </p:cSld>
@@ -3718,8 +3816,8 @@
         </p:nvSpPr>
         <p:spPr>
           <a:xfrm>
-            <a:off x="858128" y="352241"/>
-            <a:ext cx="10356161" cy="923330"/>
+            <a:off x="858129" y="352241"/>
+            <a:ext cx="8792308" cy="1754326"/>
           </a:xfrm>
           <a:prstGeom prst="rect">
             <a:avLst/>
@@ -3734,7 +3832,7 @@
           <a:p>
             <a:r>
               <a:rPr lang="en-GB" sz="5400" b="1" dirty="0"/>
-              <a:t>ADD TO CART SEQUENCE DIAGRAM </a:t>
+              <a:t>USER AUTHENTICATION SEQUENCE DIAGRAM </a:t>
             </a:r>
             <a:endParaRPr lang="en-IN" sz="5400" b="1" dirty="0"/>
           </a:p>
@@ -3742,10 +3840,10 @@
       </p:sp>
       <p:pic>
         <p:nvPicPr>
-          <p:cNvPr id="5" name="Picture 4">
-            <a:extLst>
-              <a:ext uri="{FF2B5EF4-FFF2-40B4-BE49-F238E27FC236}">
-                <a16:creationId xmlns:a16="http://schemas.microsoft.com/office/drawing/2014/main" id="{A42C5846-CB61-70C6-D30B-1A7BE945B5EC}"/>
+          <p:cNvPr id="4" name="Picture 3">
+            <a:extLst>
+              <a:ext uri="{FF2B5EF4-FFF2-40B4-BE49-F238E27FC236}">
+                <a16:creationId xmlns:a16="http://schemas.microsoft.com/office/drawing/2014/main" id="{95662CF4-1F06-29E6-D904-1ADC70B15AD3}"/>
               </a:ext>
             </a:extLst>
           </p:cNvPr>
@@ -3768,8 +3866,8 @@
         </p:blipFill>
         <p:spPr>
           <a:xfrm>
-            <a:off x="858128" y="1275571"/>
-            <a:ext cx="10386414" cy="5230188"/>
+            <a:off x="858129" y="2106567"/>
+            <a:ext cx="6726166" cy="4632860"/>
           </a:xfrm>
           <a:prstGeom prst="rect">
             <a:avLst/>
@@ -3779,7 +3877,7 @@
     </p:spTree>
     <p:extLst>
       <p:ext uri="{BB962C8B-B14F-4D97-AF65-F5344CB8AC3E}">
-        <p14:creationId xmlns:p14="http://schemas.microsoft.com/office/powerpoint/2010/main" val="3108375765"/>
+        <p14:creationId xmlns:p14="http://schemas.microsoft.com/office/powerpoint/2010/main" val="957630515"/>
       </p:ext>
     </p:extLst>
   </p:cSld>
@@ -3847,7 +3945,7 @@
           <a:p>
             <a:r>
               <a:rPr lang="en-GB" sz="5400" b="1" dirty="0"/>
-              <a:t>ER DIAGRAM </a:t>
+              <a:t>ADD TO CART SEQUENCE DIAGRAM </a:t>
             </a:r>
             <a:endParaRPr lang="en-IN" sz="5400" b="1" dirty="0"/>
           </a:p>
@@ -3855,10 +3953,10 @@
       </p:sp>
       <p:pic>
         <p:nvPicPr>
-          <p:cNvPr id="4" name="Picture 3">
-            <a:extLst>
-              <a:ext uri="{FF2B5EF4-FFF2-40B4-BE49-F238E27FC236}">
-                <a16:creationId xmlns:a16="http://schemas.microsoft.com/office/drawing/2014/main" id="{91E16713-CDAC-B4FF-F34D-9169A1C8004A}"/>
+          <p:cNvPr id="5" name="Picture 4">
+            <a:extLst>
+              <a:ext uri="{FF2B5EF4-FFF2-40B4-BE49-F238E27FC236}">
+                <a16:creationId xmlns:a16="http://schemas.microsoft.com/office/drawing/2014/main" id="{A42C5846-CB61-70C6-D30B-1A7BE945B5EC}"/>
               </a:ext>
             </a:extLst>
           </p:cNvPr>
@@ -3881,8 +3979,8 @@
         </p:blipFill>
         <p:spPr>
           <a:xfrm>
-            <a:off x="947223" y="1275571"/>
-            <a:ext cx="9535538" cy="5370894"/>
+            <a:off x="858128" y="1275571"/>
+            <a:ext cx="10386414" cy="5230188"/>
           </a:xfrm>
           <a:prstGeom prst="rect">
             <a:avLst/>
@@ -3892,7 +3990,7 @@
     </p:spTree>
     <p:extLst>
       <p:ext uri="{BB962C8B-B14F-4D97-AF65-F5344CB8AC3E}">
-        <p14:creationId xmlns:p14="http://schemas.microsoft.com/office/powerpoint/2010/main" val="3941797456"/>
+        <p14:creationId xmlns:p14="http://schemas.microsoft.com/office/powerpoint/2010/main" val="3108375765"/>
       </p:ext>
     </p:extLst>
   </p:cSld>
@@ -3944,8 +4042,8 @@
         </p:nvSpPr>
         <p:spPr>
           <a:xfrm>
-            <a:off x="3790659" y="2767280"/>
-            <a:ext cx="5508086" cy="1323439"/>
+            <a:off x="858128" y="352241"/>
+            <a:ext cx="10356161" cy="923330"/>
           </a:xfrm>
           <a:prstGeom prst="rect">
             <a:avLst/>
@@ -3959,17 +4057,798 @@
           <a:lstStyle/>
           <a:p>
             <a:r>
-              <a:rPr lang="en-GB" sz="8000" b="1" dirty="0"/>
-              <a:t>THANK YOU </a:t>
-            </a:r>
-            <a:endParaRPr lang="en-IN" sz="8000" b="1" dirty="0"/>
-          </a:p>
-        </p:txBody>
-      </p:sp>
+              <a:rPr lang="en-GB" sz="5400" b="1" dirty="0"/>
+              <a:t>ER DIAGRAM </a:t>
+            </a:r>
+            <a:endParaRPr lang="en-IN" sz="5400" b="1" dirty="0"/>
+          </a:p>
+        </p:txBody>
+      </p:sp>
+      <p:pic>
+        <p:nvPicPr>
+          <p:cNvPr id="4" name="Picture 3">
+            <a:extLst>
+              <a:ext uri="{FF2B5EF4-FFF2-40B4-BE49-F238E27FC236}">
+                <a16:creationId xmlns:a16="http://schemas.microsoft.com/office/drawing/2014/main" id="{91E16713-CDAC-B4FF-F34D-9169A1C8004A}"/>
+              </a:ext>
+            </a:extLst>
+          </p:cNvPr>
+          <p:cNvPicPr>
+            <a:picLocks noChangeAspect="1"/>
+          </p:cNvPicPr>
+          <p:nvPr/>
+        </p:nvPicPr>
+        <p:blipFill>
+          <a:blip r:embed="rId2">
+            <a:extLst>
+              <a:ext uri="{28A0092B-C50C-407E-A947-70E740481C1C}">
+                <a14:useLocalDpi xmlns:a14="http://schemas.microsoft.com/office/drawing/2010/main" val="0"/>
+              </a:ext>
+            </a:extLst>
+          </a:blip>
+          <a:stretch>
+            <a:fillRect/>
+          </a:stretch>
+        </p:blipFill>
+        <p:spPr>
+          <a:xfrm>
+            <a:off x="947223" y="1275571"/>
+            <a:ext cx="9535538" cy="5370894"/>
+          </a:xfrm>
+          <a:prstGeom prst="rect">
+            <a:avLst/>
+          </a:prstGeom>
+        </p:spPr>
+      </p:pic>
     </p:spTree>
     <p:extLst>
       <p:ext uri="{BB962C8B-B14F-4D97-AF65-F5344CB8AC3E}">
-        <p14:creationId xmlns:p14="http://schemas.microsoft.com/office/powerpoint/2010/main" val="35857356"/>
+        <p14:creationId xmlns:p14="http://schemas.microsoft.com/office/powerpoint/2010/main" val="3941797456"/>
+      </p:ext>
+    </p:extLst>
+  </p:cSld>
+  <p:clrMapOvr>
+    <a:masterClrMapping/>
+  </p:clrMapOvr>
+</p:sld>
+</file>
+
+<file path=ppt/slides/slide15.xml><?xml version="1.0" encoding="utf-8"?>
+<p:sld xmlns:a="http://schemas.openxmlformats.org/drawingml/2006/main" xmlns:r="http://schemas.openxmlformats.org/officeDocument/2006/relationships" xmlns:p="http://schemas.openxmlformats.org/presentationml/2006/main">
+  <p:cSld>
+    <p:bg>
+      <p:bgPr>
+        <a:solidFill>
+          <a:schemeClr val="accent6">
+            <a:lumMod val="40000"/>
+            <a:lumOff val="60000"/>
+          </a:schemeClr>
+        </a:solidFill>
+        <a:effectLst/>
+      </p:bgPr>
+    </p:bg>
+    <p:spTree>
+      <p:nvGrpSpPr>
+        <p:cNvPr id="1" name=""/>
+        <p:cNvGrpSpPr/>
+        <p:nvPr/>
+      </p:nvGrpSpPr>
+      <p:grpSpPr>
+        <a:xfrm>
+          <a:off x="0" y="0"/>
+          <a:ext cx="0" cy="0"/>
+          <a:chOff x="0" y="0"/>
+          <a:chExt cx="0" cy="0"/>
+        </a:xfrm>
+      </p:grpSpPr>
+      <p:sp>
+        <p:nvSpPr>
+          <p:cNvPr id="2" name="TextBox 1">
+            <a:extLst>
+              <a:ext uri="{FF2B5EF4-FFF2-40B4-BE49-F238E27FC236}">
+                <a16:creationId xmlns:a16="http://schemas.microsoft.com/office/drawing/2014/main" id="{381501ED-6B29-7B02-AE34-930E80229CE6}"/>
+              </a:ext>
+            </a:extLst>
+          </p:cNvPr>
+          <p:cNvSpPr txBox="1"/>
+          <p:nvPr/>
+        </p:nvSpPr>
+        <p:spPr>
+          <a:xfrm>
+            <a:off x="858128" y="352241"/>
+            <a:ext cx="10356161" cy="923330"/>
+          </a:xfrm>
+          <a:prstGeom prst="rect">
+            <a:avLst/>
+          </a:prstGeom>
+          <a:noFill/>
+        </p:spPr>
+        <p:txBody>
+          <a:bodyPr wrap="square" rtlCol="0">
+            <a:spAutoFit/>
+          </a:bodyPr>
+          <a:lstStyle/>
+          <a:p>
+            <a:r>
+              <a:rPr lang="en-GB" sz="5400" b="1" dirty="0"/>
+              <a:t>PROJECT STRUCTURE </a:t>
+            </a:r>
+            <a:endParaRPr lang="en-IN" sz="5400" b="1" dirty="0"/>
+          </a:p>
+        </p:txBody>
+      </p:sp>
+      <p:pic>
+        <p:nvPicPr>
+          <p:cNvPr id="5" name="Picture 4">
+            <a:extLst>
+              <a:ext uri="{FF2B5EF4-FFF2-40B4-BE49-F238E27FC236}">
+                <a16:creationId xmlns:a16="http://schemas.microsoft.com/office/drawing/2014/main" id="{BA114F27-12D2-FBD8-2864-9884C91860A3}"/>
+              </a:ext>
+            </a:extLst>
+          </p:cNvPr>
+          <p:cNvPicPr>
+            <a:picLocks noChangeAspect="1"/>
+          </p:cNvPicPr>
+          <p:nvPr/>
+        </p:nvPicPr>
+        <p:blipFill>
+          <a:blip r:embed="rId2">
+            <a:extLst>
+              <a:ext uri="{28A0092B-C50C-407E-A947-70E740481C1C}">
+                <a14:useLocalDpi xmlns:a14="http://schemas.microsoft.com/office/drawing/2010/main" val="0"/>
+              </a:ext>
+            </a:extLst>
+          </a:blip>
+          <a:stretch>
+            <a:fillRect/>
+          </a:stretch>
+        </p:blipFill>
+        <p:spPr>
+          <a:xfrm>
+            <a:off x="858128" y="3920576"/>
+            <a:ext cx="2924583" cy="2534004"/>
+          </a:xfrm>
+          <a:prstGeom prst="rect">
+            <a:avLst/>
+          </a:prstGeom>
+        </p:spPr>
+      </p:pic>
+      <p:pic>
+        <p:nvPicPr>
+          <p:cNvPr id="7" name="Picture 6">
+            <a:extLst>
+              <a:ext uri="{FF2B5EF4-FFF2-40B4-BE49-F238E27FC236}">
+                <a16:creationId xmlns:a16="http://schemas.microsoft.com/office/drawing/2014/main" id="{F5C5A725-AC8E-0478-1402-C86351EF72D1}"/>
+              </a:ext>
+            </a:extLst>
+          </p:cNvPr>
+          <p:cNvPicPr>
+            <a:picLocks noChangeAspect="1"/>
+          </p:cNvPicPr>
+          <p:nvPr/>
+        </p:nvPicPr>
+        <p:blipFill>
+          <a:blip r:embed="rId3">
+            <a:extLst>
+              <a:ext uri="{28A0092B-C50C-407E-A947-70E740481C1C}">
+                <a14:useLocalDpi xmlns:a14="http://schemas.microsoft.com/office/drawing/2010/main" val="0"/>
+              </a:ext>
+            </a:extLst>
+          </a:blip>
+          <a:stretch>
+            <a:fillRect/>
+          </a:stretch>
+        </p:blipFill>
+        <p:spPr>
+          <a:xfrm>
+            <a:off x="4619419" y="1609226"/>
+            <a:ext cx="2953162" cy="4896533"/>
+          </a:xfrm>
+          <a:prstGeom prst="rect">
+            <a:avLst/>
+          </a:prstGeom>
+        </p:spPr>
+      </p:pic>
+      <p:pic>
+        <p:nvPicPr>
+          <p:cNvPr id="9" name="Picture 8">
+            <a:extLst>
+              <a:ext uri="{FF2B5EF4-FFF2-40B4-BE49-F238E27FC236}">
+                <a16:creationId xmlns:a16="http://schemas.microsoft.com/office/drawing/2014/main" id="{869A80C0-76CD-EE00-BDEF-0CA67E210396}"/>
+              </a:ext>
+            </a:extLst>
+          </p:cNvPr>
+          <p:cNvPicPr>
+            <a:picLocks noChangeAspect="1"/>
+          </p:cNvPicPr>
+          <p:nvPr/>
+        </p:nvPicPr>
+        <p:blipFill>
+          <a:blip r:embed="rId4">
+            <a:extLst>
+              <a:ext uri="{28A0092B-C50C-407E-A947-70E740481C1C}">
+                <a14:useLocalDpi xmlns:a14="http://schemas.microsoft.com/office/drawing/2010/main" val="0"/>
+              </a:ext>
+            </a:extLst>
+          </a:blip>
+          <a:stretch>
+            <a:fillRect/>
+          </a:stretch>
+        </p:blipFill>
+        <p:spPr>
+          <a:xfrm>
+            <a:off x="8155473" y="1009067"/>
+            <a:ext cx="2896004" cy="5496692"/>
+          </a:xfrm>
+          <a:prstGeom prst="rect">
+            <a:avLst/>
+          </a:prstGeom>
+        </p:spPr>
+      </p:pic>
+    </p:spTree>
+    <p:extLst>
+      <p:ext uri="{BB962C8B-B14F-4D97-AF65-F5344CB8AC3E}">
+        <p14:creationId xmlns:p14="http://schemas.microsoft.com/office/powerpoint/2010/main" val="16862500"/>
+      </p:ext>
+    </p:extLst>
+  </p:cSld>
+  <p:clrMapOvr>
+    <a:masterClrMapping/>
+  </p:clrMapOvr>
+</p:sld>
+</file>
+
+<file path=ppt/slides/slide16.xml><?xml version="1.0" encoding="utf-8"?>
+<p:sld xmlns:a="http://schemas.openxmlformats.org/drawingml/2006/main" xmlns:r="http://schemas.openxmlformats.org/officeDocument/2006/relationships" xmlns:p="http://schemas.openxmlformats.org/presentationml/2006/main">
+  <p:cSld>
+    <p:bg>
+      <p:bgPr>
+        <a:solidFill>
+          <a:schemeClr val="accent6">
+            <a:lumMod val="40000"/>
+            <a:lumOff val="60000"/>
+          </a:schemeClr>
+        </a:solidFill>
+        <a:effectLst/>
+      </p:bgPr>
+    </p:bg>
+    <p:spTree>
+      <p:nvGrpSpPr>
+        <p:cNvPr id="1" name=""/>
+        <p:cNvGrpSpPr/>
+        <p:nvPr/>
+      </p:nvGrpSpPr>
+      <p:grpSpPr>
+        <a:xfrm>
+          <a:off x="0" y="0"/>
+          <a:ext cx="0" cy="0"/>
+          <a:chOff x="0" y="0"/>
+          <a:chExt cx="0" cy="0"/>
+        </a:xfrm>
+      </p:grpSpPr>
+      <p:sp>
+        <p:nvSpPr>
+          <p:cNvPr id="2" name="TextBox 1">
+            <a:extLst>
+              <a:ext uri="{FF2B5EF4-FFF2-40B4-BE49-F238E27FC236}">
+                <a16:creationId xmlns:a16="http://schemas.microsoft.com/office/drawing/2014/main" id="{381501ED-6B29-7B02-AE34-930E80229CE6}"/>
+              </a:ext>
+            </a:extLst>
+          </p:cNvPr>
+          <p:cNvSpPr txBox="1"/>
+          <p:nvPr/>
+        </p:nvSpPr>
+        <p:spPr>
+          <a:xfrm>
+            <a:off x="858128" y="352241"/>
+            <a:ext cx="10356161" cy="923330"/>
+          </a:xfrm>
+          <a:prstGeom prst="rect">
+            <a:avLst/>
+          </a:prstGeom>
+          <a:noFill/>
+        </p:spPr>
+        <p:txBody>
+          <a:bodyPr wrap="square" rtlCol="0">
+            <a:spAutoFit/>
+          </a:bodyPr>
+          <a:lstStyle/>
+          <a:p>
+            <a:r>
+              <a:rPr lang="en-GB" sz="5400" b="1" dirty="0"/>
+              <a:t>PROJECT STRUCTURE </a:t>
+            </a:r>
+            <a:endParaRPr lang="en-IN" sz="5400" b="1" dirty="0"/>
+          </a:p>
+        </p:txBody>
+      </p:sp>
+      <p:pic>
+        <p:nvPicPr>
+          <p:cNvPr id="4" name="Picture 3">
+            <a:extLst>
+              <a:ext uri="{FF2B5EF4-FFF2-40B4-BE49-F238E27FC236}">
+                <a16:creationId xmlns:a16="http://schemas.microsoft.com/office/drawing/2014/main" id="{F23826FA-B0AA-C844-2E80-24BB7BABCCCC}"/>
+              </a:ext>
+            </a:extLst>
+          </p:cNvPr>
+          <p:cNvPicPr>
+            <a:picLocks noChangeAspect="1"/>
+          </p:cNvPicPr>
+          <p:nvPr/>
+        </p:nvPicPr>
+        <p:blipFill>
+          <a:blip r:embed="rId2">
+            <a:extLst>
+              <a:ext uri="{28A0092B-C50C-407E-A947-70E740481C1C}">
+                <a14:useLocalDpi xmlns:a14="http://schemas.microsoft.com/office/drawing/2010/main" val="0"/>
+              </a:ext>
+            </a:extLst>
+          </a:blip>
+          <a:stretch>
+            <a:fillRect/>
+          </a:stretch>
+        </p:blipFill>
+        <p:spPr>
+          <a:xfrm>
+            <a:off x="858127" y="1341169"/>
+            <a:ext cx="2976893" cy="5422500"/>
+          </a:xfrm>
+          <a:prstGeom prst="rect">
+            <a:avLst/>
+          </a:prstGeom>
+        </p:spPr>
+      </p:pic>
+      <p:pic>
+        <p:nvPicPr>
+          <p:cNvPr id="7" name="Picture 6">
+            <a:extLst>
+              <a:ext uri="{FF2B5EF4-FFF2-40B4-BE49-F238E27FC236}">
+                <a16:creationId xmlns:a16="http://schemas.microsoft.com/office/drawing/2014/main" id="{3249509E-BB3C-DA99-7ACF-4C52B82012CF}"/>
+              </a:ext>
+            </a:extLst>
+          </p:cNvPr>
+          <p:cNvPicPr>
+            <a:picLocks noChangeAspect="1"/>
+          </p:cNvPicPr>
+          <p:nvPr/>
+        </p:nvPicPr>
+        <p:blipFill>
+          <a:blip r:embed="rId3">
+            <a:extLst>
+              <a:ext uri="{28A0092B-C50C-407E-A947-70E740481C1C}">
+                <a14:useLocalDpi xmlns:a14="http://schemas.microsoft.com/office/drawing/2010/main" val="0"/>
+              </a:ext>
+            </a:extLst>
+          </a:blip>
+          <a:stretch>
+            <a:fillRect/>
+          </a:stretch>
+        </p:blipFill>
+        <p:spPr>
+          <a:xfrm>
+            <a:off x="4671814" y="1605375"/>
+            <a:ext cx="2525234" cy="5092696"/>
+          </a:xfrm>
+          <a:prstGeom prst="rect">
+            <a:avLst/>
+          </a:prstGeom>
+        </p:spPr>
+      </p:pic>
+      <p:pic>
+        <p:nvPicPr>
+          <p:cNvPr id="9" name="Picture 8">
+            <a:extLst>
+              <a:ext uri="{FF2B5EF4-FFF2-40B4-BE49-F238E27FC236}">
+                <a16:creationId xmlns:a16="http://schemas.microsoft.com/office/drawing/2014/main" id="{B8E84E60-E718-536B-3CDD-660A5AD15320}"/>
+              </a:ext>
+            </a:extLst>
+          </p:cNvPr>
+          <p:cNvPicPr>
+            <a:picLocks noChangeAspect="1"/>
+          </p:cNvPicPr>
+          <p:nvPr/>
+        </p:nvPicPr>
+        <p:blipFill>
+          <a:blip r:embed="rId4">
+            <a:extLst>
+              <a:ext uri="{28A0092B-C50C-407E-A947-70E740481C1C}">
+                <a14:useLocalDpi xmlns:a14="http://schemas.microsoft.com/office/drawing/2010/main" val="0"/>
+              </a:ext>
+            </a:extLst>
+          </a:blip>
+          <a:stretch>
+            <a:fillRect/>
+          </a:stretch>
+        </p:blipFill>
+        <p:spPr>
+          <a:xfrm>
+            <a:off x="8356981" y="1406767"/>
+            <a:ext cx="2649982" cy="5291304"/>
+          </a:xfrm>
+          <a:prstGeom prst="rect">
+            <a:avLst/>
+          </a:prstGeom>
+        </p:spPr>
+      </p:pic>
+    </p:spTree>
+    <p:extLst>
+      <p:ext uri="{BB962C8B-B14F-4D97-AF65-F5344CB8AC3E}">
+        <p14:creationId xmlns:p14="http://schemas.microsoft.com/office/powerpoint/2010/main" val="683925791"/>
+      </p:ext>
+    </p:extLst>
+  </p:cSld>
+  <p:clrMapOvr>
+    <a:masterClrMapping/>
+  </p:clrMapOvr>
+</p:sld>
+</file>
+
+<file path=ppt/slides/slide17.xml><?xml version="1.0" encoding="utf-8"?>
+<p:sld xmlns:a="http://schemas.openxmlformats.org/drawingml/2006/main" xmlns:r="http://schemas.openxmlformats.org/officeDocument/2006/relationships" xmlns:p="http://schemas.openxmlformats.org/presentationml/2006/main">
+  <p:cSld>
+    <p:bg>
+      <p:bgPr>
+        <a:solidFill>
+          <a:schemeClr val="accent6">
+            <a:lumMod val="40000"/>
+            <a:lumOff val="60000"/>
+          </a:schemeClr>
+        </a:solidFill>
+        <a:effectLst/>
+      </p:bgPr>
+    </p:bg>
+    <p:spTree>
+      <p:nvGrpSpPr>
+        <p:cNvPr id="1" name=""/>
+        <p:cNvGrpSpPr/>
+        <p:nvPr/>
+      </p:nvGrpSpPr>
+      <p:grpSpPr>
+        <a:xfrm>
+          <a:off x="0" y="0"/>
+          <a:ext cx="0" cy="0"/>
+          <a:chOff x="0" y="0"/>
+          <a:chExt cx="0" cy="0"/>
+        </a:xfrm>
+      </p:grpSpPr>
+      <p:sp>
+        <p:nvSpPr>
+          <p:cNvPr id="2" name="TextBox 1">
+            <a:extLst>
+              <a:ext uri="{FF2B5EF4-FFF2-40B4-BE49-F238E27FC236}">
+                <a16:creationId xmlns:a16="http://schemas.microsoft.com/office/drawing/2014/main" id="{381501ED-6B29-7B02-AE34-930E80229CE6}"/>
+              </a:ext>
+            </a:extLst>
+          </p:cNvPr>
+          <p:cNvSpPr txBox="1"/>
+          <p:nvPr/>
+        </p:nvSpPr>
+        <p:spPr>
+          <a:xfrm>
+            <a:off x="858128" y="352241"/>
+            <a:ext cx="10356161" cy="923330"/>
+          </a:xfrm>
+          <a:prstGeom prst="rect">
+            <a:avLst/>
+          </a:prstGeom>
+          <a:noFill/>
+        </p:spPr>
+        <p:txBody>
+          <a:bodyPr wrap="square" rtlCol="0">
+            <a:spAutoFit/>
+          </a:bodyPr>
+          <a:lstStyle/>
+          <a:p>
+            <a:r>
+              <a:rPr lang="en-GB" sz="5400" b="1" dirty="0"/>
+              <a:t>OUTPUT SCREENS</a:t>
+            </a:r>
+            <a:endParaRPr lang="en-IN" sz="5400" b="1" dirty="0"/>
+          </a:p>
+        </p:txBody>
+      </p:sp>
+      <p:pic>
+        <p:nvPicPr>
+          <p:cNvPr id="9" name="Picture 8">
+            <a:extLst>
+              <a:ext uri="{FF2B5EF4-FFF2-40B4-BE49-F238E27FC236}">
+                <a16:creationId xmlns:a16="http://schemas.microsoft.com/office/drawing/2014/main" id="{B0BDCC7A-49E4-BF72-B69A-67D9BBE15C8C}"/>
+              </a:ext>
+            </a:extLst>
+          </p:cNvPr>
+          <p:cNvPicPr>
+            <a:picLocks noChangeAspect="1"/>
+          </p:cNvPicPr>
+          <p:nvPr/>
+        </p:nvPicPr>
+        <p:blipFill>
+          <a:blip r:embed="rId2">
+            <a:extLst>
+              <a:ext uri="{28A0092B-C50C-407E-A947-70E740481C1C}">
+                <a14:useLocalDpi xmlns:a14="http://schemas.microsoft.com/office/drawing/2010/main" val="0"/>
+              </a:ext>
+            </a:extLst>
+          </a:blip>
+          <a:stretch>
+            <a:fillRect/>
+          </a:stretch>
+        </p:blipFill>
+        <p:spPr>
+          <a:xfrm>
+            <a:off x="6603323" y="1746469"/>
+            <a:ext cx="5215638" cy="5015996"/>
+          </a:xfrm>
+          <a:prstGeom prst="rect">
+            <a:avLst/>
+          </a:prstGeom>
+        </p:spPr>
+      </p:pic>
+      <p:pic>
+        <p:nvPicPr>
+          <p:cNvPr id="11" name="Picture 10">
+            <a:extLst>
+              <a:ext uri="{FF2B5EF4-FFF2-40B4-BE49-F238E27FC236}">
+                <a16:creationId xmlns:a16="http://schemas.microsoft.com/office/drawing/2014/main" id="{5DB9AE0A-7190-AD0E-52E0-F4256E1EBDB1}"/>
+              </a:ext>
+            </a:extLst>
+          </p:cNvPr>
+          <p:cNvPicPr>
+            <a:picLocks noChangeAspect="1"/>
+          </p:cNvPicPr>
+          <p:nvPr/>
+        </p:nvPicPr>
+        <p:blipFill>
+          <a:blip r:embed="rId3">
+            <a:extLst>
+              <a:ext uri="{28A0092B-C50C-407E-A947-70E740481C1C}">
+                <a14:useLocalDpi xmlns:a14="http://schemas.microsoft.com/office/drawing/2010/main" val="0"/>
+              </a:ext>
+            </a:extLst>
+          </a:blip>
+          <a:stretch>
+            <a:fillRect/>
+          </a:stretch>
+        </p:blipFill>
+        <p:spPr>
+          <a:xfrm>
+            <a:off x="858127" y="1746469"/>
+            <a:ext cx="5392547" cy="4988106"/>
+          </a:xfrm>
+          <a:prstGeom prst="rect">
+            <a:avLst/>
+          </a:prstGeom>
+        </p:spPr>
+      </p:pic>
+    </p:spTree>
+    <p:extLst>
+      <p:ext uri="{BB962C8B-B14F-4D97-AF65-F5344CB8AC3E}">
+        <p14:creationId xmlns:p14="http://schemas.microsoft.com/office/powerpoint/2010/main" val="76432181"/>
+      </p:ext>
+    </p:extLst>
+  </p:cSld>
+  <p:clrMapOvr>
+    <a:masterClrMapping/>
+  </p:clrMapOvr>
+</p:sld>
+</file>
+
+<file path=ppt/slides/slide18.xml><?xml version="1.0" encoding="utf-8"?>
+<p:sld xmlns:a="http://schemas.openxmlformats.org/drawingml/2006/main" xmlns:r="http://schemas.openxmlformats.org/officeDocument/2006/relationships" xmlns:p="http://schemas.openxmlformats.org/presentationml/2006/main">
+  <p:cSld>
+    <p:bg>
+      <p:bgPr>
+        <a:solidFill>
+          <a:schemeClr val="accent6">
+            <a:lumMod val="40000"/>
+            <a:lumOff val="60000"/>
+          </a:schemeClr>
+        </a:solidFill>
+        <a:effectLst/>
+      </p:bgPr>
+    </p:bg>
+    <p:spTree>
+      <p:nvGrpSpPr>
+        <p:cNvPr id="1" name=""/>
+        <p:cNvGrpSpPr/>
+        <p:nvPr/>
+      </p:nvGrpSpPr>
+      <p:grpSpPr>
+        <a:xfrm>
+          <a:off x="0" y="0"/>
+          <a:ext cx="0" cy="0"/>
+          <a:chOff x="0" y="0"/>
+          <a:chExt cx="0" cy="0"/>
+        </a:xfrm>
+      </p:grpSpPr>
+      <p:sp>
+        <p:nvSpPr>
+          <p:cNvPr id="2" name="TextBox 1">
+            <a:extLst>
+              <a:ext uri="{FF2B5EF4-FFF2-40B4-BE49-F238E27FC236}">
+                <a16:creationId xmlns:a16="http://schemas.microsoft.com/office/drawing/2014/main" id="{381501ED-6B29-7B02-AE34-930E80229CE6}"/>
+              </a:ext>
+            </a:extLst>
+          </p:cNvPr>
+          <p:cNvSpPr txBox="1"/>
+          <p:nvPr/>
+        </p:nvSpPr>
+        <p:spPr>
+          <a:xfrm>
+            <a:off x="858128" y="352241"/>
+            <a:ext cx="10356161" cy="923330"/>
+          </a:xfrm>
+          <a:prstGeom prst="rect">
+            <a:avLst/>
+          </a:prstGeom>
+          <a:noFill/>
+        </p:spPr>
+        <p:txBody>
+          <a:bodyPr wrap="square" rtlCol="0">
+            <a:spAutoFit/>
+          </a:bodyPr>
+          <a:lstStyle/>
+          <a:p>
+            <a:r>
+              <a:rPr lang="en-GB" sz="5400" b="1" dirty="0"/>
+              <a:t>OUTPUT SCREENS</a:t>
+            </a:r>
+            <a:endParaRPr lang="en-IN" sz="5400" b="1" dirty="0"/>
+          </a:p>
+        </p:txBody>
+      </p:sp>
+      <p:pic>
+        <p:nvPicPr>
+          <p:cNvPr id="4" name="Picture 3">
+            <a:extLst>
+              <a:ext uri="{FF2B5EF4-FFF2-40B4-BE49-F238E27FC236}">
+                <a16:creationId xmlns:a16="http://schemas.microsoft.com/office/drawing/2014/main" id="{2A65298F-7B48-553C-1EAC-4E19999D0C2A}"/>
+              </a:ext>
+            </a:extLst>
+          </p:cNvPr>
+          <p:cNvPicPr>
+            <a:picLocks noChangeAspect="1"/>
+          </p:cNvPicPr>
+          <p:nvPr/>
+        </p:nvPicPr>
+        <p:blipFill>
+          <a:blip r:embed="rId2">
+            <a:extLst>
+              <a:ext uri="{28A0092B-C50C-407E-A947-70E740481C1C}">
+                <a14:useLocalDpi xmlns:a14="http://schemas.microsoft.com/office/drawing/2010/main" val="0"/>
+              </a:ext>
+            </a:extLst>
+          </a:blip>
+          <a:stretch>
+            <a:fillRect/>
+          </a:stretch>
+        </p:blipFill>
+        <p:spPr>
+          <a:xfrm>
+            <a:off x="1843546" y="1724083"/>
+            <a:ext cx="8504908" cy="4781676"/>
+          </a:xfrm>
+          <a:prstGeom prst="rect">
+            <a:avLst/>
+          </a:prstGeom>
+        </p:spPr>
+      </p:pic>
+    </p:spTree>
+    <p:extLst>
+      <p:ext uri="{BB962C8B-B14F-4D97-AF65-F5344CB8AC3E}">
+        <p14:creationId xmlns:p14="http://schemas.microsoft.com/office/powerpoint/2010/main" val="622655164"/>
+      </p:ext>
+    </p:extLst>
+  </p:cSld>
+  <p:clrMapOvr>
+    <a:masterClrMapping/>
+  </p:clrMapOvr>
+</p:sld>
+</file>
+
+<file path=ppt/slides/slide19.xml><?xml version="1.0" encoding="utf-8"?>
+<p:sld xmlns:a="http://schemas.openxmlformats.org/drawingml/2006/main" xmlns:r="http://schemas.openxmlformats.org/officeDocument/2006/relationships" xmlns:p="http://schemas.openxmlformats.org/presentationml/2006/main">
+  <p:cSld>
+    <p:bg>
+      <p:bgPr>
+        <a:solidFill>
+          <a:schemeClr val="accent6">
+            <a:lumMod val="40000"/>
+            <a:lumOff val="60000"/>
+          </a:schemeClr>
+        </a:solidFill>
+        <a:effectLst/>
+      </p:bgPr>
+    </p:bg>
+    <p:spTree>
+      <p:nvGrpSpPr>
+        <p:cNvPr id="1" name=""/>
+        <p:cNvGrpSpPr/>
+        <p:nvPr/>
+      </p:nvGrpSpPr>
+      <p:grpSpPr>
+        <a:xfrm>
+          <a:off x="0" y="0"/>
+          <a:ext cx="0" cy="0"/>
+          <a:chOff x="0" y="0"/>
+          <a:chExt cx="0" cy="0"/>
+        </a:xfrm>
+      </p:grpSpPr>
+      <p:sp>
+        <p:nvSpPr>
+          <p:cNvPr id="2" name="TextBox 1">
+            <a:extLst>
+              <a:ext uri="{FF2B5EF4-FFF2-40B4-BE49-F238E27FC236}">
+                <a16:creationId xmlns:a16="http://schemas.microsoft.com/office/drawing/2014/main" id="{381501ED-6B29-7B02-AE34-930E80229CE6}"/>
+              </a:ext>
+            </a:extLst>
+          </p:cNvPr>
+          <p:cNvSpPr txBox="1"/>
+          <p:nvPr/>
+        </p:nvSpPr>
+        <p:spPr>
+          <a:xfrm>
+            <a:off x="858128" y="352241"/>
+            <a:ext cx="10356161" cy="923330"/>
+          </a:xfrm>
+          <a:prstGeom prst="rect">
+            <a:avLst/>
+          </a:prstGeom>
+          <a:noFill/>
+        </p:spPr>
+        <p:txBody>
+          <a:bodyPr wrap="square" rtlCol="0">
+            <a:spAutoFit/>
+          </a:bodyPr>
+          <a:lstStyle/>
+          <a:p>
+            <a:r>
+              <a:rPr lang="en-GB" sz="5400" b="1" dirty="0"/>
+              <a:t>OUTPUT SCREENS</a:t>
+            </a:r>
+            <a:endParaRPr lang="en-IN" sz="5400" b="1" dirty="0"/>
+          </a:p>
+        </p:txBody>
+      </p:sp>
+      <p:pic>
+        <p:nvPicPr>
+          <p:cNvPr id="4" name="Picture 3">
+            <a:extLst>
+              <a:ext uri="{FF2B5EF4-FFF2-40B4-BE49-F238E27FC236}">
+                <a16:creationId xmlns:a16="http://schemas.microsoft.com/office/drawing/2014/main" id="{96B1AF5C-81E8-CD7F-DD0A-5F560F641711}"/>
+              </a:ext>
+            </a:extLst>
+          </p:cNvPr>
+          <p:cNvPicPr>
+            <a:picLocks noChangeAspect="1"/>
+          </p:cNvPicPr>
+          <p:nvPr/>
+        </p:nvPicPr>
+        <p:blipFill>
+          <a:blip r:embed="rId2">
+            <a:extLst>
+              <a:ext uri="{28A0092B-C50C-407E-A947-70E740481C1C}">
+                <a14:useLocalDpi xmlns:a14="http://schemas.microsoft.com/office/drawing/2010/main" val="0"/>
+              </a:ext>
+            </a:extLst>
+          </a:blip>
+          <a:stretch>
+            <a:fillRect/>
+          </a:stretch>
+        </p:blipFill>
+        <p:spPr>
+          <a:xfrm>
+            <a:off x="1352710" y="1275571"/>
+            <a:ext cx="9366995" cy="5266363"/>
+          </a:xfrm>
+          <a:prstGeom prst="rect">
+            <a:avLst/>
+          </a:prstGeom>
+        </p:spPr>
+      </p:pic>
+    </p:spTree>
+    <p:extLst>
+      <p:ext uri="{BB962C8B-B14F-4D97-AF65-F5344CB8AC3E}">
+        <p14:creationId xmlns:p14="http://schemas.microsoft.com/office/powerpoint/2010/main" val="3470660304"/>
       </p:ext>
     </p:extLst>
   </p:cSld>
@@ -4022,7 +4901,7 @@
         <p:spPr>
           <a:xfrm>
             <a:off x="872197" y="745588"/>
-            <a:ext cx="4318781" cy="923330"/>
+            <a:ext cx="4982693" cy="923330"/>
           </a:xfrm>
           <a:prstGeom prst="rect">
             <a:avLst/>
@@ -4037,7 +4916,7 @@
           <a:p>
             <a:r>
               <a:rPr lang="en-GB" sz="5400" b="1" dirty="0"/>
-              <a:t>ABSTACT</a:t>
+              <a:t>INTRODUCTION</a:t>
             </a:r>
             <a:endParaRPr lang="en-IN" sz="5400" b="1" dirty="0"/>
           </a:p>
@@ -4058,7 +4937,7 @@
         <p:spPr>
           <a:xfrm>
             <a:off x="872197" y="1913206"/>
-            <a:ext cx="10607040" cy="3416320"/>
+            <a:ext cx="10607040" cy="3635547"/>
           </a:xfrm>
           <a:prstGeom prst="rect">
             <a:avLst/>
@@ -4071,19 +4950,803 @@
           </a:bodyPr>
           <a:lstStyle/>
           <a:p>
-            <a:pPr algn="just"/>
-            <a:r>
-              <a:rPr lang="en-GB" dirty="0"/>
-              <a:t>The “Enhancing coffee shopping Experience with web technology (Coffee Selling Website)” is an advanced e-commerce platform designed to offer a superior shopping experience for coffee lovers, leveraging a mono repo architecture to enhance performance, scalability, and maintainability. The front-end utilizes React with Redux for state management, while Next.js enables server-side rendering and static site generation for enhanced performance and SEO. The backend is powered by Node.js, with Cloudflare services providing security, performance, and reliability. TypeScript ensures robust type checking, and Prisma ORM facilitates type-safe interactions with both PostgreSQL and MongoDB databases. Authentication is managed using JSON Web Tokens (JWT) and Next Auth, ensuring secure and scalable user management. Key features include a detailed product catalogue, secure user authentication, a dynamic shopping cart with a streamlined checkout process, comprehensive order management, advanced search and filtering capabilities, and a responsive design for optimal user experience across all devices. This project exemplifies the integration of contemporary web technologies to create a high-performance, user-friendly platform for coffee enthusiasts and sellers alike.</a:t>
-            </a:r>
-            <a:endParaRPr lang="en-IN" dirty="0"/>
+            <a:pPr algn="just">
+              <a:lnSpc>
+                <a:spcPct val="107000"/>
+              </a:lnSpc>
+              <a:spcAft>
+                <a:spcPts val="800"/>
+              </a:spcAft>
+            </a:pPr>
+            <a:r>
+              <a:rPr lang="en-IN" sz="1800" kern="100" dirty="0">
+                <a:effectLst/>
+                <a:latin typeface="Calibri" panose="020F0502020204030204" pitchFamily="34" charset="0"/>
+                <a:ea typeface="Calibri" panose="020F0502020204030204" pitchFamily="34" charset="0"/>
+                <a:cs typeface="Times New Roman" panose="02020603050405020304" pitchFamily="18" charset="0"/>
+              </a:rPr>
+              <a:t>The “Enhancing Coffee Shopping Experience with Web Technologies” project is an advanced e-commerce platform meticulously designed to provide a superior and immersive shopping experience for coffee enthusiasts. This platform integrates state-of-the-art web technologies to ensure exceptional performance, scalability, and maintainability. The front-end development leverages React for a dynamic and responsive user interface, paired with Redux for efficient state management. The backend is robustly built using Node.js, and MongoDB is employed for scalable and flexible database management. The architecture is thoughtfully designed to facilitate seamless interactions between the front-end and back-end components, ensuring a smooth and responsive user experience. Key features of the platform include an extensive product </a:t>
+            </a:r>
+            <a:r>
+              <a:rPr lang="en-IN" sz="1800" kern="100" dirty="0" err="1">
+                <a:effectLst/>
+                <a:latin typeface="Calibri" panose="020F0502020204030204" pitchFamily="34" charset="0"/>
+                <a:ea typeface="Calibri" panose="020F0502020204030204" pitchFamily="34" charset="0"/>
+                <a:cs typeface="Times New Roman" panose="02020603050405020304" pitchFamily="18" charset="0"/>
+              </a:rPr>
+              <a:t>catalog</a:t>
+            </a:r>
+            <a:r>
+              <a:rPr lang="en-IN" sz="1800" kern="100" dirty="0">
+                <a:effectLst/>
+                <a:latin typeface="Calibri" panose="020F0502020204030204" pitchFamily="34" charset="0"/>
+                <a:ea typeface="Calibri" panose="020F0502020204030204" pitchFamily="34" charset="0"/>
+                <a:cs typeface="Times New Roman" panose="02020603050405020304" pitchFamily="18" charset="0"/>
+              </a:rPr>
+              <a:t>, secure user authentication, a dynamic shopping cart with a streamlined checkout process, comprehensive order management, advanced search and filtering capabilities, and a responsive design that ensures optimal user experience across all devices. This project exemplifies the integration of modern web technologies to create a high-performance, user-friendly platform for coffee enthusiasts and sellers alike.</a:t>
+            </a:r>
           </a:p>
         </p:txBody>
       </p:sp>
     </p:spTree>
     <p:extLst>
       <p:ext uri="{BB962C8B-B14F-4D97-AF65-F5344CB8AC3E}">
-        <p14:creationId xmlns:p14="http://schemas.microsoft.com/office/powerpoint/2010/main" val="3589672039"/>
+        <p14:creationId xmlns:p14="http://schemas.microsoft.com/office/powerpoint/2010/main" val="1280173989"/>
+      </p:ext>
+    </p:extLst>
+  </p:cSld>
+  <p:clrMapOvr>
+    <a:masterClrMapping/>
+  </p:clrMapOvr>
+</p:sld>
+</file>
+
+<file path=ppt/slides/slide20.xml><?xml version="1.0" encoding="utf-8"?>
+<p:sld xmlns:a="http://schemas.openxmlformats.org/drawingml/2006/main" xmlns:r="http://schemas.openxmlformats.org/officeDocument/2006/relationships" xmlns:p="http://schemas.openxmlformats.org/presentationml/2006/main">
+  <p:cSld>
+    <p:bg>
+      <p:bgPr>
+        <a:solidFill>
+          <a:schemeClr val="accent6">
+            <a:lumMod val="40000"/>
+            <a:lumOff val="60000"/>
+          </a:schemeClr>
+        </a:solidFill>
+        <a:effectLst/>
+      </p:bgPr>
+    </p:bg>
+    <p:spTree>
+      <p:nvGrpSpPr>
+        <p:cNvPr id="1" name=""/>
+        <p:cNvGrpSpPr/>
+        <p:nvPr/>
+      </p:nvGrpSpPr>
+      <p:grpSpPr>
+        <a:xfrm>
+          <a:off x="0" y="0"/>
+          <a:ext cx="0" cy="0"/>
+          <a:chOff x="0" y="0"/>
+          <a:chExt cx="0" cy="0"/>
+        </a:xfrm>
+      </p:grpSpPr>
+      <p:sp>
+        <p:nvSpPr>
+          <p:cNvPr id="2" name="TextBox 1">
+            <a:extLst>
+              <a:ext uri="{FF2B5EF4-FFF2-40B4-BE49-F238E27FC236}">
+                <a16:creationId xmlns:a16="http://schemas.microsoft.com/office/drawing/2014/main" id="{381501ED-6B29-7B02-AE34-930E80229CE6}"/>
+              </a:ext>
+            </a:extLst>
+          </p:cNvPr>
+          <p:cNvSpPr txBox="1"/>
+          <p:nvPr/>
+        </p:nvSpPr>
+        <p:spPr>
+          <a:xfrm>
+            <a:off x="858128" y="352241"/>
+            <a:ext cx="10356161" cy="923330"/>
+          </a:xfrm>
+          <a:prstGeom prst="rect">
+            <a:avLst/>
+          </a:prstGeom>
+          <a:noFill/>
+        </p:spPr>
+        <p:txBody>
+          <a:bodyPr wrap="square" rtlCol="0">
+            <a:spAutoFit/>
+          </a:bodyPr>
+          <a:lstStyle/>
+          <a:p>
+            <a:r>
+              <a:rPr lang="en-GB" sz="5400" b="1" dirty="0"/>
+              <a:t>OUTPUT SCREENS</a:t>
+            </a:r>
+            <a:endParaRPr lang="en-IN" sz="5400" b="1" dirty="0"/>
+          </a:p>
+        </p:txBody>
+      </p:sp>
+      <p:pic>
+        <p:nvPicPr>
+          <p:cNvPr id="4" name="Picture 3">
+            <a:extLst>
+              <a:ext uri="{FF2B5EF4-FFF2-40B4-BE49-F238E27FC236}">
+                <a16:creationId xmlns:a16="http://schemas.microsoft.com/office/drawing/2014/main" id="{9C2B85BB-D356-4ACD-A071-D62AC2241BA8}"/>
+              </a:ext>
+            </a:extLst>
+          </p:cNvPr>
+          <p:cNvPicPr>
+            <a:picLocks noChangeAspect="1"/>
+          </p:cNvPicPr>
+          <p:nvPr/>
+        </p:nvPicPr>
+        <p:blipFill>
+          <a:blip r:embed="rId2">
+            <a:extLst>
+              <a:ext uri="{28A0092B-C50C-407E-A947-70E740481C1C}">
+                <a14:useLocalDpi xmlns:a14="http://schemas.microsoft.com/office/drawing/2010/main" val="0"/>
+              </a:ext>
+            </a:extLst>
+          </a:blip>
+          <a:stretch>
+            <a:fillRect/>
+          </a:stretch>
+        </p:blipFill>
+        <p:spPr>
+          <a:xfrm>
+            <a:off x="1655248" y="1512351"/>
+            <a:ext cx="8881504" cy="4993408"/>
+          </a:xfrm>
+          <a:prstGeom prst="rect">
+            <a:avLst/>
+          </a:prstGeom>
+        </p:spPr>
+      </p:pic>
+    </p:spTree>
+    <p:extLst>
+      <p:ext uri="{BB962C8B-B14F-4D97-AF65-F5344CB8AC3E}">
+        <p14:creationId xmlns:p14="http://schemas.microsoft.com/office/powerpoint/2010/main" val="1459035328"/>
+      </p:ext>
+    </p:extLst>
+  </p:cSld>
+  <p:clrMapOvr>
+    <a:masterClrMapping/>
+  </p:clrMapOvr>
+</p:sld>
+</file>
+
+<file path=ppt/slides/slide21.xml><?xml version="1.0" encoding="utf-8"?>
+<p:sld xmlns:a="http://schemas.openxmlformats.org/drawingml/2006/main" xmlns:r="http://schemas.openxmlformats.org/officeDocument/2006/relationships" xmlns:p="http://schemas.openxmlformats.org/presentationml/2006/main">
+  <p:cSld>
+    <p:bg>
+      <p:bgPr>
+        <a:solidFill>
+          <a:schemeClr val="accent6">
+            <a:lumMod val="40000"/>
+            <a:lumOff val="60000"/>
+          </a:schemeClr>
+        </a:solidFill>
+        <a:effectLst/>
+      </p:bgPr>
+    </p:bg>
+    <p:spTree>
+      <p:nvGrpSpPr>
+        <p:cNvPr id="1" name=""/>
+        <p:cNvGrpSpPr/>
+        <p:nvPr/>
+      </p:nvGrpSpPr>
+      <p:grpSpPr>
+        <a:xfrm>
+          <a:off x="0" y="0"/>
+          <a:ext cx="0" cy="0"/>
+          <a:chOff x="0" y="0"/>
+          <a:chExt cx="0" cy="0"/>
+        </a:xfrm>
+      </p:grpSpPr>
+      <p:sp>
+        <p:nvSpPr>
+          <p:cNvPr id="2" name="TextBox 1">
+            <a:extLst>
+              <a:ext uri="{FF2B5EF4-FFF2-40B4-BE49-F238E27FC236}">
+                <a16:creationId xmlns:a16="http://schemas.microsoft.com/office/drawing/2014/main" id="{381501ED-6B29-7B02-AE34-930E80229CE6}"/>
+              </a:ext>
+            </a:extLst>
+          </p:cNvPr>
+          <p:cNvSpPr txBox="1"/>
+          <p:nvPr/>
+        </p:nvSpPr>
+        <p:spPr>
+          <a:xfrm>
+            <a:off x="858128" y="352241"/>
+            <a:ext cx="10356161" cy="923330"/>
+          </a:xfrm>
+          <a:prstGeom prst="rect">
+            <a:avLst/>
+          </a:prstGeom>
+          <a:noFill/>
+        </p:spPr>
+        <p:txBody>
+          <a:bodyPr wrap="square" rtlCol="0">
+            <a:spAutoFit/>
+          </a:bodyPr>
+          <a:lstStyle/>
+          <a:p>
+            <a:r>
+              <a:rPr lang="en-GB" sz="5400" b="1" dirty="0"/>
+              <a:t>OUTPUT SCREENS</a:t>
+            </a:r>
+            <a:endParaRPr lang="en-IN" sz="5400" b="1" dirty="0"/>
+          </a:p>
+        </p:txBody>
+      </p:sp>
+      <p:pic>
+        <p:nvPicPr>
+          <p:cNvPr id="4" name="Picture 3">
+            <a:extLst>
+              <a:ext uri="{FF2B5EF4-FFF2-40B4-BE49-F238E27FC236}">
+                <a16:creationId xmlns:a16="http://schemas.microsoft.com/office/drawing/2014/main" id="{BAA70A8F-5F08-A6C7-866E-893B0637836B}"/>
+              </a:ext>
+            </a:extLst>
+          </p:cNvPr>
+          <p:cNvPicPr>
+            <a:picLocks noChangeAspect="1"/>
+          </p:cNvPicPr>
+          <p:nvPr/>
+        </p:nvPicPr>
+        <p:blipFill>
+          <a:blip r:embed="rId2">
+            <a:extLst>
+              <a:ext uri="{28A0092B-C50C-407E-A947-70E740481C1C}">
+                <a14:useLocalDpi xmlns:a14="http://schemas.microsoft.com/office/drawing/2010/main" val="0"/>
+              </a:ext>
+            </a:extLst>
+          </a:blip>
+          <a:stretch>
+            <a:fillRect/>
+          </a:stretch>
+        </p:blipFill>
+        <p:spPr>
+          <a:xfrm>
+            <a:off x="1838202" y="1785307"/>
+            <a:ext cx="8396012" cy="4720452"/>
+          </a:xfrm>
+          <a:prstGeom prst="rect">
+            <a:avLst/>
+          </a:prstGeom>
+        </p:spPr>
+      </p:pic>
+    </p:spTree>
+    <p:extLst>
+      <p:ext uri="{BB962C8B-B14F-4D97-AF65-F5344CB8AC3E}">
+        <p14:creationId xmlns:p14="http://schemas.microsoft.com/office/powerpoint/2010/main" val="2266255128"/>
+      </p:ext>
+    </p:extLst>
+  </p:cSld>
+  <p:clrMapOvr>
+    <a:masterClrMapping/>
+  </p:clrMapOvr>
+</p:sld>
+</file>
+
+<file path=ppt/slides/slide22.xml><?xml version="1.0" encoding="utf-8"?>
+<p:sld xmlns:a="http://schemas.openxmlformats.org/drawingml/2006/main" xmlns:r="http://schemas.openxmlformats.org/officeDocument/2006/relationships" xmlns:p="http://schemas.openxmlformats.org/presentationml/2006/main">
+  <p:cSld>
+    <p:bg>
+      <p:bgPr>
+        <a:solidFill>
+          <a:schemeClr val="accent6">
+            <a:lumMod val="40000"/>
+            <a:lumOff val="60000"/>
+          </a:schemeClr>
+        </a:solidFill>
+        <a:effectLst/>
+      </p:bgPr>
+    </p:bg>
+    <p:spTree>
+      <p:nvGrpSpPr>
+        <p:cNvPr id="1" name=""/>
+        <p:cNvGrpSpPr/>
+        <p:nvPr/>
+      </p:nvGrpSpPr>
+      <p:grpSpPr>
+        <a:xfrm>
+          <a:off x="0" y="0"/>
+          <a:ext cx="0" cy="0"/>
+          <a:chOff x="0" y="0"/>
+          <a:chExt cx="0" cy="0"/>
+        </a:xfrm>
+      </p:grpSpPr>
+      <p:sp>
+        <p:nvSpPr>
+          <p:cNvPr id="2" name="TextBox 1">
+            <a:extLst>
+              <a:ext uri="{FF2B5EF4-FFF2-40B4-BE49-F238E27FC236}">
+                <a16:creationId xmlns:a16="http://schemas.microsoft.com/office/drawing/2014/main" id="{381501ED-6B29-7B02-AE34-930E80229CE6}"/>
+              </a:ext>
+            </a:extLst>
+          </p:cNvPr>
+          <p:cNvSpPr txBox="1"/>
+          <p:nvPr/>
+        </p:nvSpPr>
+        <p:spPr>
+          <a:xfrm>
+            <a:off x="858128" y="352241"/>
+            <a:ext cx="10356161" cy="923330"/>
+          </a:xfrm>
+          <a:prstGeom prst="rect">
+            <a:avLst/>
+          </a:prstGeom>
+          <a:noFill/>
+        </p:spPr>
+        <p:txBody>
+          <a:bodyPr wrap="square" rtlCol="0">
+            <a:spAutoFit/>
+          </a:bodyPr>
+          <a:lstStyle/>
+          <a:p>
+            <a:r>
+              <a:rPr lang="en-GB" sz="5400" b="1" dirty="0"/>
+              <a:t>OUTPUT SCREENS</a:t>
+            </a:r>
+            <a:endParaRPr lang="en-IN" sz="5400" b="1" dirty="0"/>
+          </a:p>
+        </p:txBody>
+      </p:sp>
+      <p:pic>
+        <p:nvPicPr>
+          <p:cNvPr id="4" name="Picture 3">
+            <a:extLst>
+              <a:ext uri="{FF2B5EF4-FFF2-40B4-BE49-F238E27FC236}">
+                <a16:creationId xmlns:a16="http://schemas.microsoft.com/office/drawing/2014/main" id="{72BF5F1B-23D6-A4A1-E6EC-A49748A816EF}"/>
+              </a:ext>
+            </a:extLst>
+          </p:cNvPr>
+          <p:cNvPicPr>
+            <a:picLocks noChangeAspect="1"/>
+          </p:cNvPicPr>
+          <p:nvPr/>
+        </p:nvPicPr>
+        <p:blipFill>
+          <a:blip r:embed="rId2">
+            <a:extLst>
+              <a:ext uri="{28A0092B-C50C-407E-A947-70E740481C1C}">
+                <a14:useLocalDpi xmlns:a14="http://schemas.microsoft.com/office/drawing/2010/main" val="0"/>
+              </a:ext>
+            </a:extLst>
+          </a:blip>
+          <a:stretch>
+            <a:fillRect/>
+          </a:stretch>
+        </p:blipFill>
+        <p:spPr>
+          <a:xfrm>
+            <a:off x="1170652" y="1386921"/>
+            <a:ext cx="9731112" cy="5471079"/>
+          </a:xfrm>
+          <a:prstGeom prst="rect">
+            <a:avLst/>
+          </a:prstGeom>
+        </p:spPr>
+      </p:pic>
+    </p:spTree>
+    <p:extLst>
+      <p:ext uri="{BB962C8B-B14F-4D97-AF65-F5344CB8AC3E}">
+        <p14:creationId xmlns:p14="http://schemas.microsoft.com/office/powerpoint/2010/main" val="2620407696"/>
+      </p:ext>
+    </p:extLst>
+  </p:cSld>
+  <p:clrMapOvr>
+    <a:masterClrMapping/>
+  </p:clrMapOvr>
+</p:sld>
+</file>
+
+<file path=ppt/slides/slide23.xml><?xml version="1.0" encoding="utf-8"?>
+<p:sld xmlns:a="http://schemas.openxmlformats.org/drawingml/2006/main" xmlns:r="http://schemas.openxmlformats.org/officeDocument/2006/relationships" xmlns:p="http://schemas.openxmlformats.org/presentationml/2006/main">
+  <p:cSld>
+    <p:bg>
+      <p:bgPr>
+        <a:solidFill>
+          <a:schemeClr val="accent6">
+            <a:lumMod val="40000"/>
+            <a:lumOff val="60000"/>
+          </a:schemeClr>
+        </a:solidFill>
+        <a:effectLst/>
+      </p:bgPr>
+    </p:bg>
+    <p:spTree>
+      <p:nvGrpSpPr>
+        <p:cNvPr id="1" name=""/>
+        <p:cNvGrpSpPr/>
+        <p:nvPr/>
+      </p:nvGrpSpPr>
+      <p:grpSpPr>
+        <a:xfrm>
+          <a:off x="0" y="0"/>
+          <a:ext cx="0" cy="0"/>
+          <a:chOff x="0" y="0"/>
+          <a:chExt cx="0" cy="0"/>
+        </a:xfrm>
+      </p:grpSpPr>
+      <p:sp>
+        <p:nvSpPr>
+          <p:cNvPr id="2" name="TextBox 1">
+            <a:extLst>
+              <a:ext uri="{FF2B5EF4-FFF2-40B4-BE49-F238E27FC236}">
+                <a16:creationId xmlns:a16="http://schemas.microsoft.com/office/drawing/2014/main" id="{381501ED-6B29-7B02-AE34-930E80229CE6}"/>
+              </a:ext>
+            </a:extLst>
+          </p:cNvPr>
+          <p:cNvSpPr txBox="1"/>
+          <p:nvPr/>
+        </p:nvSpPr>
+        <p:spPr>
+          <a:xfrm>
+            <a:off x="858128" y="352241"/>
+            <a:ext cx="10356161" cy="923330"/>
+          </a:xfrm>
+          <a:prstGeom prst="rect">
+            <a:avLst/>
+          </a:prstGeom>
+          <a:noFill/>
+        </p:spPr>
+        <p:txBody>
+          <a:bodyPr wrap="square" rtlCol="0">
+            <a:spAutoFit/>
+          </a:bodyPr>
+          <a:lstStyle/>
+          <a:p>
+            <a:r>
+              <a:rPr lang="en-GB" sz="5400" b="1" dirty="0"/>
+              <a:t>OUTPUT SCREENS</a:t>
+            </a:r>
+            <a:endParaRPr lang="en-IN" sz="5400" b="1" dirty="0"/>
+          </a:p>
+        </p:txBody>
+      </p:sp>
+      <p:pic>
+        <p:nvPicPr>
+          <p:cNvPr id="4" name="Picture 3">
+            <a:extLst>
+              <a:ext uri="{FF2B5EF4-FFF2-40B4-BE49-F238E27FC236}">
+                <a16:creationId xmlns:a16="http://schemas.microsoft.com/office/drawing/2014/main" id="{C33B0E0D-9A3D-956D-C4D5-E6DB008EEBC7}"/>
+              </a:ext>
+            </a:extLst>
+          </p:cNvPr>
+          <p:cNvPicPr>
+            <a:picLocks noChangeAspect="1"/>
+          </p:cNvPicPr>
+          <p:nvPr/>
+        </p:nvPicPr>
+        <p:blipFill>
+          <a:blip r:embed="rId2">
+            <a:extLst>
+              <a:ext uri="{28A0092B-C50C-407E-A947-70E740481C1C}">
+                <a14:useLocalDpi xmlns:a14="http://schemas.microsoft.com/office/drawing/2010/main" val="0"/>
+              </a:ext>
+            </a:extLst>
+          </a:blip>
+          <a:stretch>
+            <a:fillRect/>
+          </a:stretch>
+        </p:blipFill>
+        <p:spPr>
+          <a:xfrm>
+            <a:off x="1413397" y="1489280"/>
+            <a:ext cx="9245622" cy="5198124"/>
+          </a:xfrm>
+          <a:prstGeom prst="rect">
+            <a:avLst/>
+          </a:prstGeom>
+        </p:spPr>
+      </p:pic>
+    </p:spTree>
+    <p:extLst>
+      <p:ext uri="{BB962C8B-B14F-4D97-AF65-F5344CB8AC3E}">
+        <p14:creationId xmlns:p14="http://schemas.microsoft.com/office/powerpoint/2010/main" val="3101721013"/>
+      </p:ext>
+    </p:extLst>
+  </p:cSld>
+  <p:clrMapOvr>
+    <a:masterClrMapping/>
+  </p:clrMapOvr>
+</p:sld>
+</file>
+
+<file path=ppt/slides/slide24.xml><?xml version="1.0" encoding="utf-8"?>
+<p:sld xmlns:a="http://schemas.openxmlformats.org/drawingml/2006/main" xmlns:r="http://schemas.openxmlformats.org/officeDocument/2006/relationships" xmlns:p="http://schemas.openxmlformats.org/presentationml/2006/main">
+  <p:cSld>
+    <p:bg>
+      <p:bgPr>
+        <a:solidFill>
+          <a:schemeClr val="accent6">
+            <a:lumMod val="40000"/>
+            <a:lumOff val="60000"/>
+          </a:schemeClr>
+        </a:solidFill>
+        <a:effectLst/>
+      </p:bgPr>
+    </p:bg>
+    <p:spTree>
+      <p:nvGrpSpPr>
+        <p:cNvPr id="1" name=""/>
+        <p:cNvGrpSpPr/>
+        <p:nvPr/>
+      </p:nvGrpSpPr>
+      <p:grpSpPr>
+        <a:xfrm>
+          <a:off x="0" y="0"/>
+          <a:ext cx="0" cy="0"/>
+          <a:chOff x="0" y="0"/>
+          <a:chExt cx="0" cy="0"/>
+        </a:xfrm>
+      </p:grpSpPr>
+      <p:sp>
+        <p:nvSpPr>
+          <p:cNvPr id="2" name="TextBox 1">
+            <a:extLst>
+              <a:ext uri="{FF2B5EF4-FFF2-40B4-BE49-F238E27FC236}">
+                <a16:creationId xmlns:a16="http://schemas.microsoft.com/office/drawing/2014/main" id="{381501ED-6B29-7B02-AE34-930E80229CE6}"/>
+              </a:ext>
+            </a:extLst>
+          </p:cNvPr>
+          <p:cNvSpPr txBox="1"/>
+          <p:nvPr/>
+        </p:nvSpPr>
+        <p:spPr>
+          <a:xfrm>
+            <a:off x="858128" y="352241"/>
+            <a:ext cx="10356161" cy="923330"/>
+          </a:xfrm>
+          <a:prstGeom prst="rect">
+            <a:avLst/>
+          </a:prstGeom>
+          <a:noFill/>
+        </p:spPr>
+        <p:txBody>
+          <a:bodyPr wrap="square" rtlCol="0">
+            <a:spAutoFit/>
+          </a:bodyPr>
+          <a:lstStyle/>
+          <a:p>
+            <a:r>
+              <a:rPr lang="en-GB" sz="5400" b="1" dirty="0"/>
+              <a:t>OUTPUT SCREENS</a:t>
+            </a:r>
+            <a:endParaRPr lang="en-IN" sz="5400" b="1" dirty="0"/>
+          </a:p>
+        </p:txBody>
+      </p:sp>
+      <p:pic>
+        <p:nvPicPr>
+          <p:cNvPr id="4" name="Picture 3">
+            <a:extLst>
+              <a:ext uri="{FF2B5EF4-FFF2-40B4-BE49-F238E27FC236}">
+                <a16:creationId xmlns:a16="http://schemas.microsoft.com/office/drawing/2014/main" id="{C5ADD117-F33A-AF04-D479-2FE7E66378A1}"/>
+              </a:ext>
+            </a:extLst>
+          </p:cNvPr>
+          <p:cNvPicPr>
+            <a:picLocks noChangeAspect="1"/>
+          </p:cNvPicPr>
+          <p:nvPr/>
+        </p:nvPicPr>
+        <p:blipFill>
+          <a:blip r:embed="rId2">
+            <a:extLst>
+              <a:ext uri="{28A0092B-C50C-407E-A947-70E740481C1C}">
+                <a14:useLocalDpi xmlns:a14="http://schemas.microsoft.com/office/drawing/2010/main" val="0"/>
+              </a:ext>
+            </a:extLst>
+          </a:blip>
+          <a:stretch>
+            <a:fillRect/>
+          </a:stretch>
+        </p:blipFill>
+        <p:spPr>
+          <a:xfrm>
+            <a:off x="1413397" y="1659876"/>
+            <a:ext cx="9245622" cy="5198124"/>
+          </a:xfrm>
+          <a:prstGeom prst="rect">
+            <a:avLst/>
+          </a:prstGeom>
+        </p:spPr>
+      </p:pic>
+    </p:spTree>
+    <p:extLst>
+      <p:ext uri="{BB962C8B-B14F-4D97-AF65-F5344CB8AC3E}">
+        <p14:creationId xmlns:p14="http://schemas.microsoft.com/office/powerpoint/2010/main" val="1457862016"/>
+      </p:ext>
+    </p:extLst>
+  </p:cSld>
+  <p:clrMapOvr>
+    <a:masterClrMapping/>
+  </p:clrMapOvr>
+</p:sld>
+</file>
+
+<file path=ppt/slides/slide25.xml><?xml version="1.0" encoding="utf-8"?>
+<p:sld xmlns:a="http://schemas.openxmlformats.org/drawingml/2006/main" xmlns:r="http://schemas.openxmlformats.org/officeDocument/2006/relationships" xmlns:p="http://schemas.openxmlformats.org/presentationml/2006/main">
+  <p:cSld>
+    <p:bg>
+      <p:bgPr>
+        <a:solidFill>
+          <a:schemeClr val="accent6">
+            <a:lumMod val="40000"/>
+            <a:lumOff val="60000"/>
+          </a:schemeClr>
+        </a:solidFill>
+        <a:effectLst/>
+      </p:bgPr>
+    </p:bg>
+    <p:spTree>
+      <p:nvGrpSpPr>
+        <p:cNvPr id="1" name=""/>
+        <p:cNvGrpSpPr/>
+        <p:nvPr/>
+      </p:nvGrpSpPr>
+      <p:grpSpPr>
+        <a:xfrm>
+          <a:off x="0" y="0"/>
+          <a:ext cx="0" cy="0"/>
+          <a:chOff x="0" y="0"/>
+          <a:chExt cx="0" cy="0"/>
+        </a:xfrm>
+      </p:grpSpPr>
+      <p:sp>
+        <p:nvSpPr>
+          <p:cNvPr id="2" name="TextBox 1">
+            <a:extLst>
+              <a:ext uri="{FF2B5EF4-FFF2-40B4-BE49-F238E27FC236}">
+                <a16:creationId xmlns:a16="http://schemas.microsoft.com/office/drawing/2014/main" id="{381501ED-6B29-7B02-AE34-930E80229CE6}"/>
+              </a:ext>
+            </a:extLst>
+          </p:cNvPr>
+          <p:cNvSpPr txBox="1"/>
+          <p:nvPr/>
+        </p:nvSpPr>
+        <p:spPr>
+          <a:xfrm>
+            <a:off x="858128" y="352241"/>
+            <a:ext cx="10356161" cy="923330"/>
+          </a:xfrm>
+          <a:prstGeom prst="rect">
+            <a:avLst/>
+          </a:prstGeom>
+          <a:noFill/>
+        </p:spPr>
+        <p:txBody>
+          <a:bodyPr wrap="square" rtlCol="0">
+            <a:spAutoFit/>
+          </a:bodyPr>
+          <a:lstStyle/>
+          <a:p>
+            <a:r>
+              <a:rPr lang="en-GB" sz="5400" b="1" dirty="0"/>
+              <a:t>OUTPUT SCREENS</a:t>
+            </a:r>
+            <a:endParaRPr lang="en-IN" sz="5400" b="1" dirty="0"/>
+          </a:p>
+        </p:txBody>
+      </p:sp>
+      <p:pic>
+        <p:nvPicPr>
+          <p:cNvPr id="4" name="Picture 3">
+            <a:extLst>
+              <a:ext uri="{FF2B5EF4-FFF2-40B4-BE49-F238E27FC236}">
+                <a16:creationId xmlns:a16="http://schemas.microsoft.com/office/drawing/2014/main" id="{C78E1CAB-80F3-9002-C256-A9148F481965}"/>
+              </a:ext>
+            </a:extLst>
+          </p:cNvPr>
+          <p:cNvPicPr>
+            <a:picLocks noChangeAspect="1"/>
+          </p:cNvPicPr>
+          <p:nvPr/>
+        </p:nvPicPr>
+        <p:blipFill>
+          <a:blip r:embed="rId2">
+            <a:extLst>
+              <a:ext uri="{28A0092B-C50C-407E-A947-70E740481C1C}">
+                <a14:useLocalDpi xmlns:a14="http://schemas.microsoft.com/office/drawing/2010/main" val="0"/>
+              </a:ext>
+            </a:extLst>
+          </a:blip>
+          <a:stretch>
+            <a:fillRect/>
+          </a:stretch>
+        </p:blipFill>
+        <p:spPr>
+          <a:xfrm>
+            <a:off x="1242581" y="1400569"/>
+            <a:ext cx="9706837" cy="5457431"/>
+          </a:xfrm>
+          <a:prstGeom prst="rect">
+            <a:avLst/>
+          </a:prstGeom>
+        </p:spPr>
+      </p:pic>
+    </p:spTree>
+    <p:extLst>
+      <p:ext uri="{BB962C8B-B14F-4D97-AF65-F5344CB8AC3E}">
+        <p14:creationId xmlns:p14="http://schemas.microsoft.com/office/powerpoint/2010/main" val="2519116129"/>
+      </p:ext>
+    </p:extLst>
+  </p:cSld>
+  <p:clrMapOvr>
+    <a:masterClrMapping/>
+  </p:clrMapOvr>
+</p:sld>
+</file>
+
+<file path=ppt/slides/slide26.xml><?xml version="1.0" encoding="utf-8"?>
+<p:sld xmlns:a="http://schemas.openxmlformats.org/drawingml/2006/main" xmlns:r="http://schemas.openxmlformats.org/officeDocument/2006/relationships" xmlns:p="http://schemas.openxmlformats.org/presentationml/2006/main">
+  <p:cSld>
+    <p:bg>
+      <p:bgPr>
+        <a:solidFill>
+          <a:schemeClr val="accent6">
+            <a:lumMod val="40000"/>
+            <a:lumOff val="60000"/>
+          </a:schemeClr>
+        </a:solidFill>
+        <a:effectLst/>
+      </p:bgPr>
+    </p:bg>
+    <p:spTree>
+      <p:nvGrpSpPr>
+        <p:cNvPr id="1" name=""/>
+        <p:cNvGrpSpPr/>
+        <p:nvPr/>
+      </p:nvGrpSpPr>
+      <p:grpSpPr>
+        <a:xfrm>
+          <a:off x="0" y="0"/>
+          <a:ext cx="0" cy="0"/>
+          <a:chOff x="0" y="0"/>
+          <a:chExt cx="0" cy="0"/>
+        </a:xfrm>
+      </p:grpSpPr>
+      <p:sp>
+        <p:nvSpPr>
+          <p:cNvPr id="2" name="TextBox 1">
+            <a:extLst>
+              <a:ext uri="{FF2B5EF4-FFF2-40B4-BE49-F238E27FC236}">
+                <a16:creationId xmlns:a16="http://schemas.microsoft.com/office/drawing/2014/main" id="{381501ED-6B29-7B02-AE34-930E80229CE6}"/>
+              </a:ext>
+            </a:extLst>
+          </p:cNvPr>
+          <p:cNvSpPr txBox="1"/>
+          <p:nvPr/>
+        </p:nvSpPr>
+        <p:spPr>
+          <a:xfrm>
+            <a:off x="3790659" y="2767280"/>
+            <a:ext cx="5508086" cy="1323439"/>
+          </a:xfrm>
+          <a:prstGeom prst="rect">
+            <a:avLst/>
+          </a:prstGeom>
+          <a:noFill/>
+        </p:spPr>
+        <p:txBody>
+          <a:bodyPr wrap="square" rtlCol="0">
+            <a:spAutoFit/>
+          </a:bodyPr>
+          <a:lstStyle/>
+          <a:p>
+            <a:r>
+              <a:rPr lang="en-GB" sz="8000" b="1" dirty="0"/>
+              <a:t>THANK YOU </a:t>
+            </a:r>
+            <a:endParaRPr lang="en-IN" sz="8000" b="1" dirty="0"/>
+          </a:p>
+        </p:txBody>
+      </p:sp>
+    </p:spTree>
+    <p:extLst>
+      <p:ext uri="{BB962C8B-B14F-4D97-AF65-F5344CB8AC3E}">
+        <p14:creationId xmlns:p14="http://schemas.microsoft.com/office/powerpoint/2010/main" val="35857356"/>
       </p:ext>
     </p:extLst>
   </p:cSld>
@@ -4126,7 +5789,7 @@
           <p:cNvPr id="2" name="TextBox 1">
             <a:extLst>
               <a:ext uri="{FF2B5EF4-FFF2-40B4-BE49-F238E27FC236}">
-                <a16:creationId xmlns:a16="http://schemas.microsoft.com/office/drawing/2014/main" id="{69199299-3EA0-01AE-E92E-565AD9850312}"/>
+                <a16:creationId xmlns:a16="http://schemas.microsoft.com/office/drawing/2014/main" id="{802099EA-36DF-7B9C-F32D-5A095D93FBF1}"/>
               </a:ext>
             </a:extLst>
           </p:cNvPr>
@@ -4135,8 +5798,8 @@
         </p:nvSpPr>
         <p:spPr>
           <a:xfrm>
-            <a:off x="914400" y="745588"/>
-            <a:ext cx="8862646" cy="923330"/>
+            <a:off x="872197" y="499928"/>
+            <a:ext cx="10447606" cy="923330"/>
           </a:xfrm>
           <a:prstGeom prst="rect">
             <a:avLst/>
@@ -4151,7 +5814,7 @@
           <a:p>
             <a:r>
               <a:rPr lang="en-GB" sz="5400" b="1" dirty="0"/>
-              <a:t>HARDWARE REQUIREMENT</a:t>
+              <a:t>Existing system vs Proposed system</a:t>
             </a:r>
             <a:endParaRPr lang="en-IN" sz="5400" b="1" dirty="0"/>
           </a:p>
@@ -4162,7 +5825,7 @@
           <p:cNvPr id="4" name="TextBox 3">
             <a:extLst>
               <a:ext uri="{FF2B5EF4-FFF2-40B4-BE49-F238E27FC236}">
-                <a16:creationId xmlns:a16="http://schemas.microsoft.com/office/drawing/2014/main" id="{19F6B011-DF88-61AA-C504-69ABE1749FE9}"/>
+                <a16:creationId xmlns:a16="http://schemas.microsoft.com/office/drawing/2014/main" id="{D28927D9-A4DA-F6E1-1E2B-FE8D101D05A5}"/>
               </a:ext>
             </a:extLst>
           </p:cNvPr>
@@ -4171,8 +5834,8 @@
         </p:nvSpPr>
         <p:spPr>
           <a:xfrm>
-            <a:off x="914400" y="2106025"/>
-            <a:ext cx="8468751" cy="2308324"/>
+            <a:off x="1431755" y="2333767"/>
+            <a:ext cx="4273009" cy="3477875"/>
           </a:xfrm>
           <a:prstGeom prst="rect">
             <a:avLst/>
@@ -4185,72 +5848,142 @@
           </a:bodyPr>
           <a:lstStyle/>
           <a:p>
-            <a:pPr marL="285750" indent="-285750">
-              <a:buFont typeface="Wingdings" panose="05000000000000000000" pitchFamily="2" charset="2"/>
-              <a:buChar char="Ø"/>
-            </a:pPr>
+            <a:r>
+              <a:rPr lang="en-GB" sz="2800" b="1" u="sng" dirty="0"/>
+              <a:t>EXISTING  SYSTEM</a:t>
+            </a:r>
+          </a:p>
+          <a:p>
+            <a:endParaRPr lang="en-GB" sz="2400" b="1" dirty="0"/>
+          </a:p>
+          <a:p>
             <a:r>
               <a:rPr lang="en-GB" sz="2400" b="1" dirty="0"/>
-              <a:t>PROCESSOR                                 :  Pentium-4</a:t>
-            </a:r>
-          </a:p>
-          <a:p>
-            <a:pPr marL="285750" indent="-285750">
-              <a:buFont typeface="Wingdings" panose="05000000000000000000" pitchFamily="2" charset="2"/>
-              <a:buChar char="Ø"/>
-            </a:pPr>
+              <a:t>1.Limited reach</a:t>
+            </a:r>
+          </a:p>
+          <a:p>
             <a:r>
               <a:rPr lang="en-GB" sz="2400" b="1" dirty="0"/>
-              <a:t>RAM                                              :  4-GB (min)</a:t>
-            </a:r>
-          </a:p>
-          <a:p>
-            <a:pPr marL="285750" indent="-285750">
-              <a:buFont typeface="Wingdings" panose="05000000000000000000" pitchFamily="2" charset="2"/>
-              <a:buChar char="Ø"/>
-            </a:pPr>
+              <a:t>2.Mannual process</a:t>
+            </a:r>
+          </a:p>
+          <a:p>
             <a:r>
               <a:rPr lang="en-GB" sz="2400" b="1" dirty="0"/>
-              <a:t>HARD DISK                                   :  20 GB</a:t>
-            </a:r>
-          </a:p>
-          <a:p>
-            <a:pPr marL="285750" indent="-285750">
-              <a:buFont typeface="Wingdings" panose="05000000000000000000" pitchFamily="2" charset="2"/>
-              <a:buChar char="Ø"/>
-            </a:pPr>
-            <a:r>
-              <a:rPr lang="en-GB" sz="2400" b="1" dirty="0"/>
-              <a:t>KEY BOARD                                  :  Standard Windows Keyboard</a:t>
-            </a:r>
-          </a:p>
-          <a:p>
-            <a:pPr marL="285750" indent="-285750">
-              <a:buFont typeface="Wingdings" panose="05000000000000000000" pitchFamily="2" charset="2"/>
-              <a:buChar char="Ø"/>
-            </a:pPr>
-            <a:r>
-              <a:rPr lang="en-GB" sz="2400" b="1" dirty="0"/>
-              <a:t>MOUSE                                         :  Two or three Button Mouse</a:t>
-            </a:r>
-          </a:p>
-          <a:p>
-            <a:pPr marL="285750" indent="-285750">
-              <a:buFont typeface="Wingdings" panose="05000000000000000000" pitchFamily="2" charset="2"/>
-              <a:buChar char="Ø"/>
-            </a:pPr>
-            <a:r>
-              <a:rPr lang="en-GB" sz="2400" b="1" dirty="0"/>
-              <a:t>MONITOR                                     :  SVGA</a:t>
-            </a:r>
-            <a:endParaRPr lang="en-IN" sz="2400" b="1" dirty="0"/>
+              <a:t>3.Lack of centralization</a:t>
+            </a:r>
+          </a:p>
+          <a:p>
+            <a:r>
+              <a:rPr lang="en-IN" sz="2400" b="1" dirty="0"/>
+              <a:t>4. Inadequate Customer Engagement</a:t>
+            </a:r>
+          </a:p>
+          <a:p>
+            <a:r>
+              <a:rPr lang="en-IN" sz="2400" b="1" dirty="0"/>
+              <a:t>5. Inefficient Payment Processes</a:t>
+            </a:r>
+          </a:p>
+          <a:p>
+            <a:r>
+              <a:rPr lang="en-IN" sz="2400" b="1" dirty="0"/>
+              <a:t>6. Minimal Tracking</a:t>
+            </a:r>
+          </a:p>
+        </p:txBody>
+      </p:sp>
+      <p:sp>
+        <p:nvSpPr>
+          <p:cNvPr id="5" name="TextBox 4">
+            <a:extLst>
+              <a:ext uri="{FF2B5EF4-FFF2-40B4-BE49-F238E27FC236}">
+                <a16:creationId xmlns:a16="http://schemas.microsoft.com/office/drawing/2014/main" id="{6E269463-9BE9-EED1-253A-B99C0B493E99}"/>
+              </a:ext>
+            </a:extLst>
+          </p:cNvPr>
+          <p:cNvSpPr txBox="1"/>
+          <p:nvPr/>
+        </p:nvSpPr>
+        <p:spPr>
+          <a:xfrm>
+            <a:off x="6323463" y="2333767"/>
+            <a:ext cx="4832566" cy="3908762"/>
+          </a:xfrm>
+          <a:prstGeom prst="rect">
+            <a:avLst/>
+          </a:prstGeom>
+          <a:noFill/>
+        </p:spPr>
+        <p:txBody>
+          <a:bodyPr wrap="square" rtlCol="0">
+            <a:spAutoFit/>
+          </a:bodyPr>
+          <a:lstStyle/>
+          <a:p>
+            <a:r>
+              <a:rPr lang="en-GB" sz="2800" b="1" u="sng" dirty="0"/>
+              <a:t>PROPOSED  SYSTEM</a:t>
+            </a:r>
+          </a:p>
+          <a:p>
+            <a:endParaRPr lang="en-GB" sz="2800" b="1" u="sng" dirty="0"/>
+          </a:p>
+          <a:p>
+            <a:r>
+              <a:rPr lang="en-IN" sz="2400" b="1" dirty="0"/>
+              <a:t>1.Comprehensive Online Platform</a:t>
+            </a:r>
+          </a:p>
+          <a:p>
+            <a:r>
+              <a:rPr lang="en-IN" sz="2400" b="1" dirty="0"/>
+              <a:t>2. Automated Order Management</a:t>
+            </a:r>
+          </a:p>
+          <a:p>
+            <a:r>
+              <a:rPr lang="en-IN" sz="2400" b="1" dirty="0"/>
+              <a:t>3.Enhanced Accessibility</a:t>
+            </a:r>
+          </a:p>
+          <a:p>
+            <a:r>
+              <a:rPr lang="en-IN" sz="2400" b="1" dirty="0"/>
+              <a:t>4. Customer Engagement Features</a:t>
+            </a:r>
+          </a:p>
+          <a:p>
+            <a:r>
+              <a:rPr lang="en-IN" sz="2400" b="1" dirty="0"/>
+              <a:t>5. Analytics and Reporting</a:t>
+            </a:r>
+          </a:p>
+          <a:p>
+            <a:r>
+              <a:rPr lang="en-IN" sz="2400" b="1" dirty="0"/>
+              <a:t>6. Secure and Scalable</a:t>
+            </a:r>
+          </a:p>
+          <a:p>
+            <a:r>
+              <a:rPr lang="en-IN" sz="2400" b="1" dirty="0"/>
+              <a:t>7. Seamless Payment Integration</a:t>
+            </a:r>
+          </a:p>
+          <a:p>
+            <a:r>
+              <a:rPr lang="en-IN" sz="2400" b="1" dirty="0"/>
+              <a:t>8. Real-time inventory Tracking</a:t>
+            </a:r>
           </a:p>
         </p:txBody>
       </p:sp>
     </p:spTree>
     <p:extLst>
       <p:ext uri="{BB962C8B-B14F-4D97-AF65-F5344CB8AC3E}">
-        <p14:creationId xmlns:p14="http://schemas.microsoft.com/office/powerpoint/2010/main" val="1475702069"/>
+        <p14:creationId xmlns:p14="http://schemas.microsoft.com/office/powerpoint/2010/main" val="4205546129"/>
       </p:ext>
     </p:extLst>
   </p:cSld>
@@ -4293,7 +6026,7 @@
           <p:cNvPr id="2" name="TextBox 1">
             <a:extLst>
               <a:ext uri="{FF2B5EF4-FFF2-40B4-BE49-F238E27FC236}">
-                <a16:creationId xmlns:a16="http://schemas.microsoft.com/office/drawing/2014/main" id="{A6CCFB3A-5333-1B4C-694E-AFD0EEE9063C}"/>
+                <a16:creationId xmlns:a16="http://schemas.microsoft.com/office/drawing/2014/main" id="{69199299-3EA0-01AE-E92E-565AD9850312}"/>
               </a:ext>
             </a:extLst>
           </p:cNvPr>
@@ -4302,8 +6035,8 @@
         </p:nvSpPr>
         <p:spPr>
           <a:xfrm>
-            <a:off x="745588" y="647114"/>
-            <a:ext cx="9340947" cy="923330"/>
+            <a:off x="914400" y="745588"/>
+            <a:ext cx="8862646" cy="923330"/>
           </a:xfrm>
           <a:prstGeom prst="rect">
             <a:avLst/>
@@ -4318,7 +6051,7 @@
           <a:p>
             <a:r>
               <a:rPr lang="en-GB" sz="5400" b="1" dirty="0"/>
-              <a:t>TECHNOLOGIES USED</a:t>
+              <a:t>HARDWARE REQUIREMENT</a:t>
             </a:r>
             <a:endParaRPr lang="en-IN" sz="5400" b="1" dirty="0"/>
           </a:p>
@@ -4326,10 +6059,10 @@
       </p:sp>
       <p:sp>
         <p:nvSpPr>
-          <p:cNvPr id="3" name="TextBox 2">
-            <a:extLst>
-              <a:ext uri="{FF2B5EF4-FFF2-40B4-BE49-F238E27FC236}">
-                <a16:creationId xmlns:a16="http://schemas.microsoft.com/office/drawing/2014/main" id="{6297822E-C78D-9EF8-0490-7987E76232FF}"/>
+          <p:cNvPr id="4" name="TextBox 3">
+            <a:extLst>
+              <a:ext uri="{FF2B5EF4-FFF2-40B4-BE49-F238E27FC236}">
+                <a16:creationId xmlns:a16="http://schemas.microsoft.com/office/drawing/2014/main" id="{19F6B011-DF88-61AA-C504-69ABE1749FE9}"/>
               </a:ext>
             </a:extLst>
           </p:cNvPr>
@@ -4338,8 +6071,8 @@
         </p:nvSpPr>
         <p:spPr>
           <a:xfrm>
-            <a:off x="900331" y="1997612"/>
-            <a:ext cx="9622303" cy="2677656"/>
+            <a:off x="914400" y="2106025"/>
+            <a:ext cx="8468751" cy="2308324"/>
           </a:xfrm>
           <a:prstGeom prst="rect">
             <a:avLst/>
@@ -4358,7 +6091,7 @@
             </a:pPr>
             <a:r>
               <a:rPr lang="en-GB" sz="2400" b="1" dirty="0"/>
-              <a:t>OPERATING SYSTEM          :  WINDOWS 10</a:t>
+              <a:t>PROCESSOR                                 :  Pentium-4</a:t>
             </a:r>
           </a:p>
           <a:p>
@@ -4368,7 +6101,7 @@
             </a:pPr>
             <a:r>
               <a:rPr lang="en-GB" sz="2400" b="1" dirty="0"/>
-              <a:t>CODING LANGUAGES        :   JAVASCRIPT AND TYPESCRIPT</a:t>
+              <a:t>RAM                                              :  4-GB (min)</a:t>
             </a:r>
           </a:p>
           <a:p>
@@ -4378,7 +6111,7 @@
             </a:pPr>
             <a:r>
               <a:rPr lang="en-GB" sz="2400" b="1" dirty="0"/>
-              <a:t>FRONT-END                         :  REACT , VITE , NEXTJS , REDUX</a:t>
+              <a:t>HARD DISK                                   :  20 GB</a:t>
             </a:r>
           </a:p>
           <a:p>
@@ -4388,7 +6121,7 @@
             </a:pPr>
             <a:r>
               <a:rPr lang="en-GB" sz="2400" b="1" dirty="0"/>
-              <a:t>BACK-END                            :  NODE JS,EXPRESS JS , ZOD, ORM,TYPESCRIPT</a:t>
+              <a:t>KEY BOARD                                  :  Standard Windows Keyboard</a:t>
             </a:r>
           </a:p>
           <a:p>
@@ -4398,7 +6131,7 @@
             </a:pPr>
             <a:r>
               <a:rPr lang="en-GB" sz="2400" b="1" dirty="0"/>
-              <a:t>DESIGNING                          :  HTML,CSS,TAILWIND</a:t>
+              <a:t>MOUSE                                         :  Two or three Button Mouse</a:t>
             </a:r>
           </a:p>
           <a:p>
@@ -4408,17 +6141,7 @@
             </a:pPr>
             <a:r>
               <a:rPr lang="en-GB" sz="2400" b="1" dirty="0"/>
-              <a:t>DATABASE                            :  MONGODB AND POSTGRESQL</a:t>
-            </a:r>
-          </a:p>
-          <a:p>
-            <a:pPr marL="285750" indent="-285750">
-              <a:buFont typeface="Wingdings" panose="05000000000000000000" pitchFamily="2" charset="2"/>
-              <a:buChar char="Ø"/>
-            </a:pPr>
-            <a:r>
-              <a:rPr lang="en-GB" sz="2400" b="1" dirty="0"/>
-              <a:t>OTHERS                                :  GIT , GITHUB </a:t>
+              <a:t>MONITOR                                     :  SVGA</a:t>
             </a:r>
             <a:endParaRPr lang="en-IN" sz="2400" b="1" dirty="0"/>
           </a:p>
@@ -4427,7 +6150,7 @@
     </p:spTree>
     <p:extLst>
       <p:ext uri="{BB962C8B-B14F-4D97-AF65-F5344CB8AC3E}">
-        <p14:creationId xmlns:p14="http://schemas.microsoft.com/office/powerpoint/2010/main" val="279338173"/>
+        <p14:creationId xmlns:p14="http://schemas.microsoft.com/office/powerpoint/2010/main" val="1475702069"/>
       </p:ext>
     </p:extLst>
   </p:cSld>
@@ -4470,7 +6193,7 @@
           <p:cNvPr id="2" name="TextBox 1">
             <a:extLst>
               <a:ext uri="{FF2B5EF4-FFF2-40B4-BE49-F238E27FC236}">
-                <a16:creationId xmlns:a16="http://schemas.microsoft.com/office/drawing/2014/main" id="{630C9864-430D-29EE-35B1-AD75A47735FB}"/>
+                <a16:creationId xmlns:a16="http://schemas.microsoft.com/office/drawing/2014/main" id="{A6CCFB3A-5333-1B4C-694E-AFD0EEE9063C}"/>
               </a:ext>
             </a:extLst>
           </p:cNvPr>
@@ -4479,8 +6202,8 @@
         </p:nvSpPr>
         <p:spPr>
           <a:xfrm>
-            <a:off x="1026942" y="422031"/>
-            <a:ext cx="7920110" cy="923330"/>
+            <a:off x="745588" y="647114"/>
+            <a:ext cx="9340947" cy="923330"/>
           </a:xfrm>
           <a:prstGeom prst="rect">
             <a:avLst/>
@@ -4495,52 +6218,116 @@
           <a:p>
             <a:r>
               <a:rPr lang="en-GB" sz="5400" b="1" dirty="0"/>
-              <a:t>USE CASE UML DIAGRAM</a:t>
+              <a:t>TECHNOLOGIES USED</a:t>
             </a:r>
             <a:endParaRPr lang="en-IN" sz="5400" b="1" dirty="0"/>
           </a:p>
         </p:txBody>
       </p:sp>
-      <p:pic>
-        <p:nvPicPr>
-          <p:cNvPr id="4" name="Picture 3">
-            <a:extLst>
-              <a:ext uri="{FF2B5EF4-FFF2-40B4-BE49-F238E27FC236}">
-                <a16:creationId xmlns:a16="http://schemas.microsoft.com/office/drawing/2014/main" id="{29AF98E3-EF4C-2936-DE6A-B3110A831D4B}"/>
-              </a:ext>
-            </a:extLst>
-          </p:cNvPr>
-          <p:cNvPicPr>
-            <a:picLocks noChangeAspect="1"/>
-          </p:cNvPicPr>
+      <p:sp>
+        <p:nvSpPr>
+          <p:cNvPr id="3" name="TextBox 2">
+            <a:extLst>
+              <a:ext uri="{FF2B5EF4-FFF2-40B4-BE49-F238E27FC236}">
+                <a16:creationId xmlns:a16="http://schemas.microsoft.com/office/drawing/2014/main" id="{6297822E-C78D-9EF8-0490-7987E76232FF}"/>
+              </a:ext>
+            </a:extLst>
+          </p:cNvPr>
+          <p:cNvSpPr txBox="1"/>
           <p:nvPr/>
-        </p:nvPicPr>
-        <p:blipFill>
-          <a:blip r:embed="rId2">
-            <a:extLst>
-              <a:ext uri="{28A0092B-C50C-407E-A947-70E740481C1C}">
-                <a14:useLocalDpi xmlns:a14="http://schemas.microsoft.com/office/drawing/2010/main" val="0"/>
-              </a:ext>
-            </a:extLst>
-          </a:blip>
-          <a:stretch>
-            <a:fillRect/>
-          </a:stretch>
-        </p:blipFill>
-        <p:spPr>
-          <a:xfrm>
-            <a:off x="1026942" y="1563158"/>
-            <a:ext cx="8384344" cy="5173099"/>
+        </p:nvSpPr>
+        <p:spPr>
+          <a:xfrm>
+            <a:off x="900331" y="1997612"/>
+            <a:ext cx="9622303" cy="2677656"/>
           </a:xfrm>
           <a:prstGeom prst="rect">
             <a:avLst/>
           </a:prstGeom>
-        </p:spPr>
-      </p:pic>
+          <a:noFill/>
+        </p:spPr>
+        <p:txBody>
+          <a:bodyPr wrap="square" rtlCol="0">
+            <a:spAutoFit/>
+          </a:bodyPr>
+          <a:lstStyle/>
+          <a:p>
+            <a:pPr marL="285750" indent="-285750">
+              <a:buFont typeface="Wingdings" panose="05000000000000000000" pitchFamily="2" charset="2"/>
+              <a:buChar char="Ø"/>
+            </a:pPr>
+            <a:r>
+              <a:rPr lang="en-GB" sz="2400" b="1" dirty="0"/>
+              <a:t>OPERATING SYSTEM          :  WINDOWS 10</a:t>
+            </a:r>
+          </a:p>
+          <a:p>
+            <a:pPr marL="285750" indent="-285750">
+              <a:buFont typeface="Wingdings" panose="05000000000000000000" pitchFamily="2" charset="2"/>
+              <a:buChar char="Ø"/>
+            </a:pPr>
+            <a:r>
+              <a:rPr lang="en-GB" sz="2400" b="1" dirty="0"/>
+              <a:t>CODING LANGUAGES        :   JAVASCRIPT </a:t>
+            </a:r>
+          </a:p>
+          <a:p>
+            <a:pPr marL="285750" indent="-285750">
+              <a:buFont typeface="Wingdings" panose="05000000000000000000" pitchFamily="2" charset="2"/>
+              <a:buChar char="Ø"/>
+            </a:pPr>
+            <a:r>
+              <a:rPr lang="en-GB" sz="2400" b="1" dirty="0"/>
+              <a:t>FRONT-END                         :  REACT , REDUX</a:t>
+            </a:r>
+          </a:p>
+          <a:p>
+            <a:pPr marL="285750" indent="-285750">
+              <a:buFont typeface="Wingdings" panose="05000000000000000000" pitchFamily="2" charset="2"/>
+              <a:buChar char="Ø"/>
+            </a:pPr>
+            <a:r>
+              <a:rPr lang="en-GB" sz="2400" b="1" dirty="0"/>
+              <a:t>BACK-END                            :  NODE JS,EXPRESS JS , BCRYPT,ORM</a:t>
+            </a:r>
+          </a:p>
+          <a:p>
+            <a:pPr marL="285750" indent="-285750">
+              <a:buFont typeface="Wingdings" panose="05000000000000000000" pitchFamily="2" charset="2"/>
+              <a:buChar char="Ø"/>
+            </a:pPr>
+            <a:r>
+              <a:rPr lang="en-GB" sz="2400" b="1" dirty="0"/>
+              <a:t>DESIGNING                          :  HTML,CSS,TAILWIND</a:t>
+            </a:r>
+          </a:p>
+          <a:p>
+            <a:pPr marL="285750" indent="-285750">
+              <a:buFont typeface="Wingdings" panose="05000000000000000000" pitchFamily="2" charset="2"/>
+              <a:buChar char="Ø"/>
+            </a:pPr>
+            <a:r>
+              <a:rPr lang="en-GB" sz="2400" b="1" dirty="0"/>
+              <a:t>DATABASE                            :  MONGODB AND POSTGRESQL</a:t>
+            </a:r>
+          </a:p>
+          <a:p>
+            <a:pPr marL="285750" indent="-285750">
+              <a:buFont typeface="Wingdings" panose="05000000000000000000" pitchFamily="2" charset="2"/>
+              <a:buChar char="Ø"/>
+            </a:pPr>
+            <a:r>
+              <a:rPr lang="en-GB" sz="2400" b="1" dirty="0"/>
+              <a:t>OTHERS                                :  GIT , GITHUB </a:t>
+            </a:r>
+            <a:endParaRPr lang="en-IN" sz="2400" b="1" dirty="0"/>
+          </a:p>
+        </p:txBody>
+      </p:sp>
     </p:spTree>
     <p:extLst>
       <p:ext uri="{BB962C8B-B14F-4D97-AF65-F5344CB8AC3E}">
-        <p14:creationId xmlns:p14="http://schemas.microsoft.com/office/powerpoint/2010/main" val="2194366725"/>
+        <p14:creationId xmlns:p14="http://schemas.microsoft.com/office/powerpoint/2010/main" val="279338173"/>
       </p:ext>
     </p:extLst>
   </p:cSld>
@@ -4580,10 +6367,10 @@
       </p:grpSpPr>
       <p:sp>
         <p:nvSpPr>
-          <p:cNvPr id="3" name="TextBox 2">
-            <a:extLst>
-              <a:ext uri="{FF2B5EF4-FFF2-40B4-BE49-F238E27FC236}">
-                <a16:creationId xmlns:a16="http://schemas.microsoft.com/office/drawing/2014/main" id="{39C2E546-A9A5-863F-EA31-768597746D1A}"/>
+          <p:cNvPr id="2" name="TextBox 1">
+            <a:extLst>
+              <a:ext uri="{FF2B5EF4-FFF2-40B4-BE49-F238E27FC236}">
+                <a16:creationId xmlns:a16="http://schemas.microsoft.com/office/drawing/2014/main" id="{630C9864-430D-29EE-35B1-AD75A47735FB}"/>
               </a:ext>
             </a:extLst>
           </p:cNvPr>
@@ -4592,8 +6379,8 @@
         </p:nvSpPr>
         <p:spPr>
           <a:xfrm>
-            <a:off x="1026941" y="407963"/>
-            <a:ext cx="7441809" cy="923330"/>
+            <a:off x="1026942" y="422031"/>
+            <a:ext cx="7920110" cy="923330"/>
           </a:xfrm>
           <a:prstGeom prst="rect">
             <a:avLst/>
@@ -4608,7 +6395,7 @@
           <a:p>
             <a:r>
               <a:rPr lang="en-GB" sz="5400" b="1" dirty="0"/>
-              <a:t>UML ACTIVITY DIAGRAM</a:t>
+              <a:t>USE CASE UML DIAGRAM</a:t>
             </a:r>
             <a:endParaRPr lang="en-IN" sz="5400" b="1" dirty="0"/>
           </a:p>
@@ -4616,10 +6403,10 @@
       </p:sp>
       <p:pic>
         <p:nvPicPr>
-          <p:cNvPr id="5" name="Picture 4">
-            <a:extLst>
-              <a:ext uri="{FF2B5EF4-FFF2-40B4-BE49-F238E27FC236}">
-                <a16:creationId xmlns:a16="http://schemas.microsoft.com/office/drawing/2014/main" id="{D5A9B817-554E-2A3F-7F44-115475113046}"/>
+          <p:cNvPr id="4" name="Picture 3">
+            <a:extLst>
+              <a:ext uri="{FF2B5EF4-FFF2-40B4-BE49-F238E27FC236}">
+                <a16:creationId xmlns:a16="http://schemas.microsoft.com/office/drawing/2014/main" id="{29AF98E3-EF4C-2936-DE6A-B3110A831D4B}"/>
               </a:ext>
             </a:extLst>
           </p:cNvPr>
@@ -4642,8 +6429,8 @@
         </p:blipFill>
         <p:spPr>
           <a:xfrm>
-            <a:off x="1026942" y="1331293"/>
-            <a:ext cx="8754697" cy="5382376"/>
+            <a:off x="1026942" y="1563158"/>
+            <a:ext cx="8384344" cy="5173099"/>
           </a:xfrm>
           <a:prstGeom prst="rect">
             <a:avLst/>
@@ -4653,7 +6440,7 @@
     </p:spTree>
     <p:extLst>
       <p:ext uri="{BB962C8B-B14F-4D97-AF65-F5344CB8AC3E}">
-        <p14:creationId xmlns:p14="http://schemas.microsoft.com/office/powerpoint/2010/main" val="1439998768"/>
+        <p14:creationId xmlns:p14="http://schemas.microsoft.com/office/powerpoint/2010/main" val="2194366725"/>
       </p:ext>
     </p:extLst>
   </p:cSld>
@@ -4693,10 +6480,10 @@
       </p:grpSpPr>
       <p:sp>
         <p:nvSpPr>
-          <p:cNvPr id="2" name="TextBox 1">
-            <a:extLst>
-              <a:ext uri="{FF2B5EF4-FFF2-40B4-BE49-F238E27FC236}">
-                <a16:creationId xmlns:a16="http://schemas.microsoft.com/office/drawing/2014/main" id="{381501ED-6B29-7B02-AE34-930E80229CE6}"/>
+          <p:cNvPr id="3" name="TextBox 2">
+            <a:extLst>
+              <a:ext uri="{FF2B5EF4-FFF2-40B4-BE49-F238E27FC236}">
+                <a16:creationId xmlns:a16="http://schemas.microsoft.com/office/drawing/2014/main" id="{39C2E546-A9A5-863F-EA31-768597746D1A}"/>
               </a:ext>
             </a:extLst>
           </p:cNvPr>
@@ -4705,8 +6492,8 @@
         </p:nvSpPr>
         <p:spPr>
           <a:xfrm>
-            <a:off x="858130" y="352241"/>
-            <a:ext cx="6752492" cy="923330"/>
+            <a:off x="1026941" y="407963"/>
+            <a:ext cx="7441809" cy="923330"/>
           </a:xfrm>
           <a:prstGeom prst="rect">
             <a:avLst/>
@@ -4721,7 +6508,7 @@
           <a:p>
             <a:r>
               <a:rPr lang="en-GB" sz="5400" b="1" dirty="0"/>
-              <a:t>UML CLASS DIAGRAM</a:t>
+              <a:t>UML ACTIVITY DIAGRAM</a:t>
             </a:r>
             <a:endParaRPr lang="en-IN" sz="5400" b="1" dirty="0"/>
           </a:p>
@@ -4729,10 +6516,10 @@
       </p:sp>
       <p:pic>
         <p:nvPicPr>
-          <p:cNvPr id="4" name="Picture 3">
-            <a:extLst>
-              <a:ext uri="{FF2B5EF4-FFF2-40B4-BE49-F238E27FC236}">
-                <a16:creationId xmlns:a16="http://schemas.microsoft.com/office/drawing/2014/main" id="{B3393603-6345-545D-2795-48B680ADF992}"/>
+          <p:cNvPr id="5" name="Picture 4">
+            <a:extLst>
+              <a:ext uri="{FF2B5EF4-FFF2-40B4-BE49-F238E27FC236}">
+                <a16:creationId xmlns:a16="http://schemas.microsoft.com/office/drawing/2014/main" id="{D5A9B817-554E-2A3F-7F44-115475113046}"/>
               </a:ext>
             </a:extLst>
           </p:cNvPr>
@@ -4755,8 +6542,8 @@
         </p:blipFill>
         <p:spPr>
           <a:xfrm>
-            <a:off x="858130" y="1275571"/>
-            <a:ext cx="9115864" cy="5582429"/>
+            <a:off x="1026942" y="1331293"/>
+            <a:ext cx="8754697" cy="5382376"/>
           </a:xfrm>
           <a:prstGeom prst="rect">
             <a:avLst/>
@@ -4766,7 +6553,7 @@
     </p:spTree>
     <p:extLst>
       <p:ext uri="{BB962C8B-B14F-4D97-AF65-F5344CB8AC3E}">
-        <p14:creationId xmlns:p14="http://schemas.microsoft.com/office/powerpoint/2010/main" val="2765249317"/>
+        <p14:creationId xmlns:p14="http://schemas.microsoft.com/office/powerpoint/2010/main" val="1439998768"/>
       </p:ext>
     </p:extLst>
   </p:cSld>
@@ -4818,8 +6605,8 @@
         </p:nvSpPr>
         <p:spPr>
           <a:xfrm>
-            <a:off x="858129" y="352241"/>
-            <a:ext cx="8792308" cy="923330"/>
+            <a:off x="858130" y="352241"/>
+            <a:ext cx="6752492" cy="923330"/>
           </a:xfrm>
           <a:prstGeom prst="rect">
             <a:avLst/>
@@ -4834,7 +6621,7 @@
           <a:p>
             <a:r>
               <a:rPr lang="en-GB" sz="5400" b="1" dirty="0"/>
-              <a:t>UML COMPONENT DIAGRAM</a:t>
+              <a:t>UML CLASS DIAGRAM</a:t>
             </a:r>
             <a:endParaRPr lang="en-IN" sz="5400" b="1" dirty="0"/>
           </a:p>
@@ -4842,10 +6629,10 @@
       </p:sp>
       <p:pic>
         <p:nvPicPr>
-          <p:cNvPr id="5" name="Picture 4">
-            <a:extLst>
-              <a:ext uri="{FF2B5EF4-FFF2-40B4-BE49-F238E27FC236}">
-                <a16:creationId xmlns:a16="http://schemas.microsoft.com/office/drawing/2014/main" id="{DB85E475-9021-F6FB-5BE9-A4DB0C071EBE}"/>
+          <p:cNvPr id="4" name="Picture 3">
+            <a:extLst>
+              <a:ext uri="{FF2B5EF4-FFF2-40B4-BE49-F238E27FC236}">
+                <a16:creationId xmlns:a16="http://schemas.microsoft.com/office/drawing/2014/main" id="{B3393603-6345-545D-2795-48B680ADF992}"/>
               </a:ext>
             </a:extLst>
           </p:cNvPr>
@@ -4868,8 +6655,8 @@
         </p:blipFill>
         <p:spPr>
           <a:xfrm>
-            <a:off x="858130" y="1180098"/>
-            <a:ext cx="9017390" cy="5677902"/>
+            <a:off x="858130" y="1275571"/>
+            <a:ext cx="9115864" cy="5582429"/>
           </a:xfrm>
           <a:prstGeom prst="rect">
             <a:avLst/>
@@ -4879,7 +6666,7 @@
     </p:spTree>
     <p:extLst>
       <p:ext uri="{BB962C8B-B14F-4D97-AF65-F5344CB8AC3E}">
-        <p14:creationId xmlns:p14="http://schemas.microsoft.com/office/powerpoint/2010/main" val="1952754776"/>
+        <p14:creationId xmlns:p14="http://schemas.microsoft.com/office/powerpoint/2010/main" val="2765249317"/>
       </p:ext>
     </p:extLst>
   </p:cSld>
@@ -4947,7 +6734,7 @@
           <a:p>
             <a:r>
               <a:rPr lang="en-GB" sz="5400" b="1" dirty="0"/>
-              <a:t>UML SEQUENCE DIAGRAM</a:t>
+              <a:t>UML COMPONENT DIAGRAM</a:t>
             </a:r>
             <a:endParaRPr lang="en-IN" sz="5400" b="1" dirty="0"/>
           </a:p>
@@ -4955,10 +6742,10 @@
       </p:sp>
       <p:pic>
         <p:nvPicPr>
-          <p:cNvPr id="4" name="Picture 3">
-            <a:extLst>
-              <a:ext uri="{FF2B5EF4-FFF2-40B4-BE49-F238E27FC236}">
-                <a16:creationId xmlns:a16="http://schemas.microsoft.com/office/drawing/2014/main" id="{A38BE001-2E40-0BDF-3D9F-951A88B39684}"/>
+          <p:cNvPr id="5" name="Picture 4">
+            <a:extLst>
+              <a:ext uri="{FF2B5EF4-FFF2-40B4-BE49-F238E27FC236}">
+                <a16:creationId xmlns:a16="http://schemas.microsoft.com/office/drawing/2014/main" id="{DB85E475-9021-F6FB-5BE9-A4DB0C071EBE}"/>
               </a:ext>
             </a:extLst>
           </p:cNvPr>
@@ -4981,8 +6768,8 @@
         </p:blipFill>
         <p:spPr>
           <a:xfrm>
-            <a:off x="1081750" y="1275571"/>
-            <a:ext cx="8792308" cy="5420481"/>
+            <a:off x="858130" y="1180098"/>
+            <a:ext cx="9017390" cy="5677902"/>
           </a:xfrm>
           <a:prstGeom prst="rect">
             <a:avLst/>
@@ -4992,7 +6779,7 @@
     </p:spTree>
     <p:extLst>
       <p:ext uri="{BB962C8B-B14F-4D97-AF65-F5344CB8AC3E}">
-        <p14:creationId xmlns:p14="http://schemas.microsoft.com/office/powerpoint/2010/main" val="470432462"/>
+        <p14:creationId xmlns:p14="http://schemas.microsoft.com/office/powerpoint/2010/main" val="1952754776"/>
       </p:ext>
     </p:extLst>
   </p:cSld>
